--- a/미마킹확인기능.pptx
+++ b/미마킹확인기능.pptx
@@ -9,6 +9,8 @@
     <p:sldId id="258" r:id="rId3"/>
     <p:sldId id="257" r:id="rId4"/>
     <p:sldId id="259" r:id="rId5"/>
+    <p:sldId id="261" r:id="rId6"/>
+    <p:sldId id="260" r:id="rId7"/>
   </p:sldIdLst>
   <p:sldSz cx="12192000" cy="6858000"/>
   <p:notesSz cx="6858000" cy="9144000"/>
@@ -246,7 +248,7 @@
           <a:p>
             <a:fld id="{AA949D12-BE39-49F0-8E3D-94509DD76978}" type="datetimeFigureOut">
               <a:rPr lang="ko-KR" altLang="en-US" smtClean="0"/>
-              <a:t>2025-05-02</a:t>
+              <a:t>2025-07-11</a:t>
             </a:fld>
             <a:endParaRPr lang="ko-KR" altLang="en-US"/>
           </a:p>
@@ -416,7 +418,7 @@
           <a:p>
             <a:fld id="{AA949D12-BE39-49F0-8E3D-94509DD76978}" type="datetimeFigureOut">
               <a:rPr lang="ko-KR" altLang="en-US" smtClean="0"/>
-              <a:t>2025-05-02</a:t>
+              <a:t>2025-07-11</a:t>
             </a:fld>
             <a:endParaRPr lang="ko-KR" altLang="en-US"/>
           </a:p>
@@ -596,7 +598,7 @@
           <a:p>
             <a:fld id="{AA949D12-BE39-49F0-8E3D-94509DD76978}" type="datetimeFigureOut">
               <a:rPr lang="ko-KR" altLang="en-US" smtClean="0"/>
-              <a:t>2025-05-02</a:t>
+              <a:t>2025-07-11</a:t>
             </a:fld>
             <a:endParaRPr lang="ko-KR" altLang="en-US"/>
           </a:p>
@@ -766,7 +768,7 @@
           <a:p>
             <a:fld id="{AA949D12-BE39-49F0-8E3D-94509DD76978}" type="datetimeFigureOut">
               <a:rPr lang="ko-KR" altLang="en-US" smtClean="0"/>
-              <a:t>2025-05-02</a:t>
+              <a:t>2025-07-11</a:t>
             </a:fld>
             <a:endParaRPr lang="ko-KR" altLang="en-US"/>
           </a:p>
@@ -1012,7 +1014,7 @@
           <a:p>
             <a:fld id="{AA949D12-BE39-49F0-8E3D-94509DD76978}" type="datetimeFigureOut">
               <a:rPr lang="ko-KR" altLang="en-US" smtClean="0"/>
-              <a:t>2025-05-02</a:t>
+              <a:t>2025-07-11</a:t>
             </a:fld>
             <a:endParaRPr lang="ko-KR" altLang="en-US"/>
           </a:p>
@@ -1244,7 +1246,7 @@
           <a:p>
             <a:fld id="{AA949D12-BE39-49F0-8E3D-94509DD76978}" type="datetimeFigureOut">
               <a:rPr lang="ko-KR" altLang="en-US" smtClean="0"/>
-              <a:t>2025-05-02</a:t>
+              <a:t>2025-07-11</a:t>
             </a:fld>
             <a:endParaRPr lang="ko-KR" altLang="en-US"/>
           </a:p>
@@ -1611,7 +1613,7 @@
           <a:p>
             <a:fld id="{AA949D12-BE39-49F0-8E3D-94509DD76978}" type="datetimeFigureOut">
               <a:rPr lang="ko-KR" altLang="en-US" smtClean="0"/>
-              <a:t>2025-05-02</a:t>
+              <a:t>2025-07-11</a:t>
             </a:fld>
             <a:endParaRPr lang="ko-KR" altLang="en-US"/>
           </a:p>
@@ -1729,7 +1731,7 @@
           <a:p>
             <a:fld id="{AA949D12-BE39-49F0-8E3D-94509DD76978}" type="datetimeFigureOut">
               <a:rPr lang="ko-KR" altLang="en-US" smtClean="0"/>
-              <a:t>2025-05-02</a:t>
+              <a:t>2025-07-11</a:t>
             </a:fld>
             <a:endParaRPr lang="ko-KR" altLang="en-US"/>
           </a:p>
@@ -1824,7 +1826,7 @@
           <a:p>
             <a:fld id="{AA949D12-BE39-49F0-8E3D-94509DD76978}" type="datetimeFigureOut">
               <a:rPr lang="ko-KR" altLang="en-US" smtClean="0"/>
-              <a:t>2025-05-02</a:t>
+              <a:t>2025-07-11</a:t>
             </a:fld>
             <a:endParaRPr lang="ko-KR" altLang="en-US"/>
           </a:p>
@@ -2101,7 +2103,7 @@
           <a:p>
             <a:fld id="{AA949D12-BE39-49F0-8E3D-94509DD76978}" type="datetimeFigureOut">
               <a:rPr lang="ko-KR" altLang="en-US" smtClean="0"/>
-              <a:t>2025-05-02</a:t>
+              <a:t>2025-07-11</a:t>
             </a:fld>
             <a:endParaRPr lang="ko-KR" altLang="en-US"/>
           </a:p>
@@ -2354,7 +2356,7 @@
           <a:p>
             <a:fld id="{AA949D12-BE39-49F0-8E3D-94509DD76978}" type="datetimeFigureOut">
               <a:rPr lang="ko-KR" altLang="en-US" smtClean="0"/>
-              <a:t>2025-05-02</a:t>
+              <a:t>2025-07-11</a:t>
             </a:fld>
             <a:endParaRPr lang="ko-KR" altLang="en-US"/>
           </a:p>
@@ -2567,7 +2569,7 @@
           <a:p>
             <a:fld id="{AA949D12-BE39-49F0-8E3D-94509DD76978}" type="datetimeFigureOut">
               <a:rPr lang="ko-KR" altLang="en-US" smtClean="0"/>
-              <a:t>2025-05-02</a:t>
+              <a:t>2025-07-11</a:t>
             </a:fld>
             <a:endParaRPr lang="ko-KR" altLang="en-US"/>
           </a:p>
@@ -4646,81 +4648,696 @@
           <a:p>
             <a:r>
               <a:rPr lang="ko-KR" altLang="en-US" dirty="0" err="1" smtClean="0"/>
-              <a:t>마킹</a:t>
+              <a:t>미마킹</a:t>
             </a:r>
             <a:r>
               <a:rPr lang="ko-KR" altLang="en-US" dirty="0" smtClean="0"/>
-              <a:t> 영역의 폭 측정으로 </a:t>
-            </a:r>
-            <a:r>
-              <a:rPr lang="ko-KR" altLang="en-US" dirty="0" err="1" smtClean="0"/>
-              <a:t>미마킹</a:t>
-            </a:r>
-            <a:r>
-              <a:rPr lang="ko-KR" altLang="en-US" dirty="0" smtClean="0"/>
-              <a:t> 확인</a:t>
+              <a:t> 검출 방식</a:t>
             </a:r>
             <a:endParaRPr lang="ko-KR" altLang="en-US" dirty="0"/>
           </a:p>
         </p:txBody>
       </p:sp>
-      <p:sp>
-        <p:nvSpPr>
-          <p:cNvPr id="3" name="내용 개체 틀 2"/>
-          <p:cNvSpPr>
-            <a:spLocks noGrp="1"/>
-          </p:cNvSpPr>
+      <p:pic>
+        <p:nvPicPr>
+          <p:cNvPr id="59" name="내용 개체 틀 58"/>
+          <p:cNvPicPr>
+            <a:picLocks noGrp="1" noChangeAspect="1"/>
+          </p:cNvPicPr>
           <p:nvPr>
             <p:ph idx="1"/>
           </p:nvPr>
-        </p:nvSpPr>
-        <p:spPr/>
-        <p:txBody>
-          <a:bodyPr/>
-          <a:lstStyle/>
-          <a:p>
-            <a:endParaRPr lang="ko-KR" altLang="en-US" dirty="0"/>
+        </p:nvPicPr>
+        <p:blipFill>
+          <a:blip r:embed="rId2"/>
+          <a:stretch>
+            <a:fillRect/>
+          </a:stretch>
+        </p:blipFill>
+        <p:spPr>
+          <a:xfrm>
+            <a:off x="921694" y="1862422"/>
+            <a:ext cx="4004199" cy="4108886"/>
+          </a:xfrm>
+          <a:prstGeom prst="rect">
+            <a:avLst/>
+          </a:prstGeom>
+          <a:ln w="19050">
+            <a:solidFill>
+              <a:schemeClr val="tx1"/>
+            </a:solidFill>
+          </a:ln>
+        </p:spPr>
+      </p:pic>
+      <p:pic>
+        <p:nvPicPr>
+          <p:cNvPr id="73" name="그림 72"/>
+          <p:cNvPicPr>
+            <a:picLocks noChangeAspect="1"/>
+          </p:cNvPicPr>
+          <p:nvPr/>
+        </p:nvPicPr>
+        <p:blipFill>
+          <a:blip r:embed="rId3">
+            <a:extLst>
+              <a:ext uri="{28A0092B-C50C-407E-A947-70E740481C1C}">
+                <a14:useLocalDpi xmlns:a14="http://schemas.microsoft.com/office/drawing/2010/main" val="0"/>
+              </a:ext>
+            </a:extLst>
+          </a:blip>
+          <a:stretch>
+            <a:fillRect/>
+          </a:stretch>
+        </p:blipFill>
+        <p:spPr>
+          <a:xfrm>
+            <a:off x="5143917" y="1862422"/>
+            <a:ext cx="4108886" cy="4108886"/>
+          </a:xfrm>
+          <a:prstGeom prst="rect">
+            <a:avLst/>
+          </a:prstGeom>
+          <a:ln w="19050">
+            <a:solidFill>
+              <a:schemeClr val="tx1"/>
+            </a:solidFill>
+          </a:ln>
+        </p:spPr>
+      </p:pic>
+      <p:cxnSp>
+        <p:nvCxnSpPr>
+          <p:cNvPr id="83" name="직선 연결선 82"/>
+          <p:cNvCxnSpPr/>
+          <p:nvPr/>
+        </p:nvCxnSpPr>
+        <p:spPr>
+          <a:xfrm>
+            <a:off x="7175703" y="1862422"/>
+            <a:ext cx="0" cy="4108886"/>
+          </a:xfrm>
+          <a:prstGeom prst="line">
+            <a:avLst/>
+          </a:prstGeom>
+          <a:ln>
+            <a:solidFill>
+              <a:schemeClr val="tx1"/>
+            </a:solidFill>
+            <a:prstDash val="dash"/>
+          </a:ln>
+        </p:spPr>
+        <p:style>
+          <a:lnRef idx="1">
+            <a:schemeClr val="accent1"/>
+          </a:lnRef>
+          <a:fillRef idx="0">
+            <a:schemeClr val="accent1"/>
+          </a:fillRef>
+          <a:effectRef idx="0">
+            <a:schemeClr val="accent1"/>
+          </a:effectRef>
+          <a:fontRef idx="minor">
+            <a:schemeClr val="tx1"/>
+          </a:fontRef>
+        </p:style>
+      </p:cxnSp>
+      <p:cxnSp>
+        <p:nvCxnSpPr>
+          <p:cNvPr id="84" name="직선 연결선 83"/>
+          <p:cNvCxnSpPr>
+            <a:endCxn id="73" idx="3"/>
+          </p:cNvCxnSpPr>
+          <p:nvPr/>
+        </p:nvCxnSpPr>
+        <p:spPr>
+          <a:xfrm flipV="1">
+            <a:off x="5143917" y="3916865"/>
+            <a:ext cx="4108886" cy="16210"/>
+          </a:xfrm>
+          <a:prstGeom prst="line">
+            <a:avLst/>
+          </a:prstGeom>
+          <a:ln>
+            <a:solidFill>
+              <a:schemeClr val="tx1"/>
+            </a:solidFill>
+            <a:prstDash val="dash"/>
+          </a:ln>
+        </p:spPr>
+        <p:style>
+          <a:lnRef idx="1">
+            <a:schemeClr val="accent1"/>
+          </a:lnRef>
+          <a:fillRef idx="0">
+            <a:schemeClr val="accent1"/>
+          </a:fillRef>
+          <a:effectRef idx="0">
+            <a:schemeClr val="accent1"/>
+          </a:effectRef>
+          <a:fontRef idx="minor">
+            <a:schemeClr val="tx1"/>
+          </a:fontRef>
+        </p:style>
+      </p:cxnSp>
+      <p:cxnSp>
+        <p:nvCxnSpPr>
+          <p:cNvPr id="88" name="직선 연결선 87"/>
+          <p:cNvCxnSpPr/>
+          <p:nvPr/>
+        </p:nvCxnSpPr>
+        <p:spPr>
+          <a:xfrm flipV="1">
+            <a:off x="897630" y="5971308"/>
+            <a:ext cx="0" cy="521711"/>
+          </a:xfrm>
+          <a:prstGeom prst="line">
+            <a:avLst/>
+          </a:prstGeom>
+          <a:ln w="15875">
+            <a:solidFill>
+              <a:srgbClr val="FF0000"/>
+            </a:solidFill>
+          </a:ln>
+        </p:spPr>
+        <p:style>
+          <a:lnRef idx="1">
+            <a:schemeClr val="accent1"/>
+          </a:lnRef>
+          <a:fillRef idx="0">
+            <a:schemeClr val="accent1"/>
+          </a:fillRef>
+          <a:effectRef idx="0">
+            <a:schemeClr val="accent1"/>
+          </a:effectRef>
+          <a:fontRef idx="minor">
+            <a:schemeClr val="tx1"/>
+          </a:fontRef>
+        </p:style>
+      </p:cxnSp>
+      <p:sp>
+        <p:nvSpPr>
+          <p:cNvPr id="89" name="TextBox 88"/>
+          <p:cNvSpPr txBox="1"/>
+          <p:nvPr/>
+        </p:nvSpPr>
+        <p:spPr>
+          <a:xfrm>
+            <a:off x="1870694" y="6369908"/>
+            <a:ext cx="2106197" cy="246221"/>
+          </a:xfrm>
+          <a:prstGeom prst="rect">
+            <a:avLst/>
+          </a:prstGeom>
+          <a:noFill/>
+          <a:ln>
+            <a:noFill/>
+          </a:ln>
+        </p:spPr>
+        <p:txBody>
+          <a:bodyPr wrap="square" rtlCol="0">
+            <a:spAutoFit/>
+          </a:bodyPr>
+          <a:lstStyle/>
+          <a:p>
+            <a:r>
+              <a:rPr lang="en-US" altLang="ko-KR" sz="1000" b="1" dirty="0" smtClean="0">
+                <a:solidFill>
+                  <a:srgbClr val="FF0000"/>
+                </a:solidFill>
+              </a:rPr>
+              <a:t>8.8</a:t>
+            </a:r>
+            <a:r>
+              <a:rPr lang="en-US" altLang="ko-KR" sz="1000" b="1" dirty="0" smtClean="0">
+                <a:solidFill>
+                  <a:srgbClr val="FF0000"/>
+                </a:solidFill>
+              </a:rPr>
+              <a:t>um * 100pixel = 880um</a:t>
+            </a:r>
+            <a:endParaRPr lang="ko-KR" altLang="en-US" sz="1000" b="1" dirty="0">
+              <a:solidFill>
+                <a:srgbClr val="FF0000"/>
+              </a:solidFill>
+            </a:endParaRPr>
+          </a:p>
+        </p:txBody>
+      </p:sp>
+      <p:cxnSp>
+        <p:nvCxnSpPr>
+          <p:cNvPr id="90" name="직선 화살표 연결선 89"/>
+          <p:cNvCxnSpPr/>
+          <p:nvPr/>
+        </p:nvCxnSpPr>
+        <p:spPr>
+          <a:xfrm>
+            <a:off x="921694" y="6232163"/>
+            <a:ext cx="4004199" cy="0"/>
+          </a:xfrm>
+          <a:prstGeom prst="straightConnector1">
+            <a:avLst/>
+          </a:prstGeom>
+          <a:ln w="15875">
+            <a:solidFill>
+              <a:srgbClr val="FF0000"/>
+            </a:solidFill>
+            <a:headEnd type="triangle"/>
+            <a:tailEnd type="triangle"/>
+          </a:ln>
+        </p:spPr>
+        <p:style>
+          <a:lnRef idx="1">
+            <a:schemeClr val="accent1"/>
+          </a:lnRef>
+          <a:fillRef idx="0">
+            <a:schemeClr val="accent1"/>
+          </a:fillRef>
+          <a:effectRef idx="0">
+            <a:schemeClr val="accent1"/>
+          </a:effectRef>
+          <a:fontRef idx="minor">
+            <a:schemeClr val="tx1"/>
+          </a:fontRef>
+        </p:style>
+      </p:cxnSp>
+      <p:cxnSp>
+        <p:nvCxnSpPr>
+          <p:cNvPr id="92" name="직선 연결선 91"/>
+          <p:cNvCxnSpPr/>
+          <p:nvPr/>
+        </p:nvCxnSpPr>
+        <p:spPr>
+          <a:xfrm flipV="1">
+            <a:off x="4925893" y="5971308"/>
+            <a:ext cx="0" cy="521711"/>
+          </a:xfrm>
+          <a:prstGeom prst="line">
+            <a:avLst/>
+          </a:prstGeom>
+          <a:ln w="15875">
+            <a:solidFill>
+              <a:srgbClr val="FF0000"/>
+            </a:solidFill>
+          </a:ln>
+        </p:spPr>
+        <p:style>
+          <a:lnRef idx="1">
+            <a:schemeClr val="accent1"/>
+          </a:lnRef>
+          <a:fillRef idx="0">
+            <a:schemeClr val="accent1"/>
+          </a:fillRef>
+          <a:effectRef idx="0">
+            <a:schemeClr val="accent1"/>
+          </a:effectRef>
+          <a:fontRef idx="minor">
+            <a:schemeClr val="tx1"/>
+          </a:fontRef>
+        </p:style>
+      </p:cxnSp>
+      <p:cxnSp>
+        <p:nvCxnSpPr>
+          <p:cNvPr id="93" name="직선 연결선 92"/>
+          <p:cNvCxnSpPr/>
+          <p:nvPr/>
+        </p:nvCxnSpPr>
+        <p:spPr>
+          <a:xfrm flipV="1">
+            <a:off x="5094007" y="5928384"/>
+            <a:ext cx="0" cy="521711"/>
+          </a:xfrm>
+          <a:prstGeom prst="line">
+            <a:avLst/>
+          </a:prstGeom>
+          <a:ln w="15875">
+            <a:solidFill>
+              <a:srgbClr val="FF0000"/>
+            </a:solidFill>
+          </a:ln>
+        </p:spPr>
+        <p:style>
+          <a:lnRef idx="1">
+            <a:schemeClr val="accent1"/>
+          </a:lnRef>
+          <a:fillRef idx="0">
+            <a:schemeClr val="accent1"/>
+          </a:fillRef>
+          <a:effectRef idx="0">
+            <a:schemeClr val="accent1"/>
+          </a:effectRef>
+          <a:fontRef idx="minor">
+            <a:schemeClr val="tx1"/>
+          </a:fontRef>
+        </p:style>
+      </p:cxnSp>
+      <p:sp>
+        <p:nvSpPr>
+          <p:cNvPr id="94" name="TextBox 93"/>
+          <p:cNvSpPr txBox="1"/>
+          <p:nvPr/>
+        </p:nvSpPr>
+        <p:spPr>
+          <a:xfrm>
+            <a:off x="6245783" y="6312350"/>
+            <a:ext cx="2106197" cy="246221"/>
+          </a:xfrm>
+          <a:prstGeom prst="rect">
+            <a:avLst/>
+          </a:prstGeom>
+          <a:noFill/>
+          <a:ln>
+            <a:noFill/>
+          </a:ln>
+        </p:spPr>
+        <p:txBody>
+          <a:bodyPr wrap="square" rtlCol="0">
+            <a:spAutoFit/>
+          </a:bodyPr>
+          <a:lstStyle/>
+          <a:p>
+            <a:r>
+              <a:rPr lang="en-US" altLang="ko-KR" sz="1000" b="1" dirty="0" smtClean="0">
+                <a:solidFill>
+                  <a:srgbClr val="FF0000"/>
+                </a:solidFill>
+              </a:rPr>
+              <a:t>8.8</a:t>
+            </a:r>
+            <a:r>
+              <a:rPr lang="en-US" altLang="ko-KR" sz="1000" b="1" dirty="0" smtClean="0">
+                <a:solidFill>
+                  <a:srgbClr val="FF0000"/>
+                </a:solidFill>
+              </a:rPr>
+              <a:t>um * 100pixel = 880um</a:t>
+            </a:r>
+            <a:endParaRPr lang="ko-KR" altLang="en-US" sz="1000" b="1" dirty="0">
+              <a:solidFill>
+                <a:srgbClr val="FF0000"/>
+              </a:solidFill>
+            </a:endParaRPr>
+          </a:p>
+        </p:txBody>
+      </p:sp>
+      <p:cxnSp>
+        <p:nvCxnSpPr>
+          <p:cNvPr id="95" name="직선 화살표 연결선 94"/>
+          <p:cNvCxnSpPr/>
+          <p:nvPr/>
+        </p:nvCxnSpPr>
+        <p:spPr>
+          <a:xfrm>
+            <a:off x="5094007" y="6232163"/>
+            <a:ext cx="4142665" cy="0"/>
+          </a:xfrm>
+          <a:prstGeom prst="straightConnector1">
+            <a:avLst/>
+          </a:prstGeom>
+          <a:ln w="15875">
+            <a:solidFill>
+              <a:srgbClr val="FF0000"/>
+            </a:solidFill>
+            <a:headEnd type="triangle"/>
+            <a:tailEnd type="triangle"/>
+          </a:ln>
+        </p:spPr>
+        <p:style>
+          <a:lnRef idx="1">
+            <a:schemeClr val="accent1"/>
+          </a:lnRef>
+          <a:fillRef idx="0">
+            <a:schemeClr val="accent1"/>
+          </a:fillRef>
+          <a:effectRef idx="0">
+            <a:schemeClr val="accent1"/>
+          </a:effectRef>
+          <a:fontRef idx="minor">
+            <a:schemeClr val="tx1"/>
+          </a:fontRef>
+        </p:style>
+      </p:cxnSp>
+      <p:cxnSp>
+        <p:nvCxnSpPr>
+          <p:cNvPr id="96" name="직선 연결선 95"/>
+          <p:cNvCxnSpPr/>
+          <p:nvPr/>
+        </p:nvCxnSpPr>
+        <p:spPr>
+          <a:xfrm flipV="1">
+            <a:off x="9236672" y="5971308"/>
+            <a:ext cx="0" cy="521711"/>
+          </a:xfrm>
+          <a:prstGeom prst="line">
+            <a:avLst/>
+          </a:prstGeom>
+          <a:ln w="15875">
+            <a:solidFill>
+              <a:srgbClr val="FF0000"/>
+            </a:solidFill>
+          </a:ln>
+        </p:spPr>
+        <p:style>
+          <a:lnRef idx="1">
+            <a:schemeClr val="accent1"/>
+          </a:lnRef>
+          <a:fillRef idx="0">
+            <a:schemeClr val="accent1"/>
+          </a:fillRef>
+          <a:effectRef idx="0">
+            <a:schemeClr val="accent1"/>
+          </a:effectRef>
+          <a:fontRef idx="minor">
+            <a:schemeClr val="tx1"/>
+          </a:fontRef>
+        </p:style>
+      </p:cxnSp>
+      <p:cxnSp>
+        <p:nvCxnSpPr>
+          <p:cNvPr id="99" name="직선 연결선 98"/>
+          <p:cNvCxnSpPr/>
+          <p:nvPr/>
+        </p:nvCxnSpPr>
+        <p:spPr>
+          <a:xfrm flipH="1" flipV="1">
+            <a:off x="6096000" y="3640621"/>
+            <a:ext cx="252920" cy="361633"/>
+          </a:xfrm>
+          <a:prstGeom prst="line">
+            <a:avLst/>
+          </a:prstGeom>
+          <a:ln w="15875">
+            <a:solidFill>
+              <a:srgbClr val="FF0000"/>
+            </a:solidFill>
+          </a:ln>
+        </p:spPr>
+        <p:style>
+          <a:lnRef idx="1">
+            <a:schemeClr val="accent1"/>
+          </a:lnRef>
+          <a:fillRef idx="0">
+            <a:schemeClr val="accent1"/>
+          </a:fillRef>
+          <a:effectRef idx="0">
+            <a:schemeClr val="accent1"/>
+          </a:effectRef>
+          <a:fontRef idx="minor">
+            <a:schemeClr val="tx1"/>
+          </a:fontRef>
+        </p:style>
+      </p:cxnSp>
+      <p:cxnSp>
+        <p:nvCxnSpPr>
+          <p:cNvPr id="100" name="직선 연결선 99"/>
+          <p:cNvCxnSpPr/>
+          <p:nvPr/>
+        </p:nvCxnSpPr>
+        <p:spPr>
+          <a:xfrm flipH="1" flipV="1">
+            <a:off x="7286849" y="2764292"/>
+            <a:ext cx="252920" cy="361633"/>
+          </a:xfrm>
+          <a:prstGeom prst="line">
+            <a:avLst/>
+          </a:prstGeom>
+          <a:ln w="15875">
+            <a:solidFill>
+              <a:srgbClr val="FF0000"/>
+            </a:solidFill>
+          </a:ln>
+        </p:spPr>
+        <p:style>
+          <a:lnRef idx="1">
+            <a:schemeClr val="accent1"/>
+          </a:lnRef>
+          <a:fillRef idx="0">
+            <a:schemeClr val="accent1"/>
+          </a:fillRef>
+          <a:effectRef idx="0">
+            <a:schemeClr val="accent1"/>
+          </a:effectRef>
+          <a:fontRef idx="minor">
+            <a:schemeClr val="tx1"/>
+          </a:fontRef>
+        </p:style>
+      </p:cxnSp>
+      <p:cxnSp>
+        <p:nvCxnSpPr>
+          <p:cNvPr id="101" name="직선 화살표 연결선 100"/>
+          <p:cNvCxnSpPr/>
+          <p:nvPr/>
+        </p:nvCxnSpPr>
+        <p:spPr>
+          <a:xfrm flipH="1">
+            <a:off x="6259942" y="2945108"/>
+            <a:ext cx="1153368" cy="876329"/>
+          </a:xfrm>
+          <a:prstGeom prst="straightConnector1">
+            <a:avLst/>
+          </a:prstGeom>
+          <a:ln w="15875">
+            <a:solidFill>
+              <a:srgbClr val="FF0000"/>
+            </a:solidFill>
+            <a:headEnd type="triangle"/>
+            <a:tailEnd type="triangle"/>
+          </a:ln>
+        </p:spPr>
+        <p:style>
+          <a:lnRef idx="1">
+            <a:schemeClr val="accent1"/>
+          </a:lnRef>
+          <a:fillRef idx="0">
+            <a:schemeClr val="accent1"/>
+          </a:fillRef>
+          <a:effectRef idx="0">
+            <a:schemeClr val="accent1"/>
+          </a:effectRef>
+          <a:fontRef idx="minor">
+            <a:schemeClr val="tx1"/>
+          </a:fontRef>
+        </p:style>
+      </p:cxnSp>
+      <p:sp>
+        <p:nvSpPr>
+          <p:cNvPr id="102" name="직사각형 101"/>
+          <p:cNvSpPr/>
+          <p:nvPr/>
+        </p:nvSpPr>
+        <p:spPr>
+          <a:xfrm>
+            <a:off x="6293938" y="3079636"/>
+            <a:ext cx="689612" cy="276999"/>
+          </a:xfrm>
+          <a:prstGeom prst="rect">
+            <a:avLst/>
+          </a:prstGeom>
+        </p:spPr>
+        <p:txBody>
+          <a:bodyPr wrap="none">
+            <a:spAutoFit/>
+          </a:bodyPr>
+          <a:lstStyle/>
+          <a:p>
+            <a:r>
+              <a:rPr lang="en-US" altLang="ko-KR" sz="1200" b="1" dirty="0" smtClean="0">
+                <a:solidFill>
+                  <a:srgbClr val="FF0000"/>
+                </a:solidFill>
+              </a:rPr>
+              <a:t>300um</a:t>
+            </a:r>
+            <a:endParaRPr lang="ko-KR" altLang="en-US" sz="1200" b="1" dirty="0">
+              <a:solidFill>
+                <a:srgbClr val="FF0000"/>
+              </a:solidFill>
+            </a:endParaRPr>
+          </a:p>
+        </p:txBody>
+      </p:sp>
+      <p:sp>
+        <p:nvSpPr>
+          <p:cNvPr id="103" name="이등변 삼각형 102"/>
+          <p:cNvSpPr/>
+          <p:nvPr/>
+        </p:nvSpPr>
+        <p:spPr>
+          <a:xfrm>
+            <a:off x="2132598" y="3357729"/>
+            <a:ext cx="1427470" cy="1391783"/>
+          </a:xfrm>
+          <a:prstGeom prst="triangle">
+            <a:avLst/>
+          </a:prstGeom>
+          <a:solidFill>
+            <a:schemeClr val="bg2">
+              <a:lumMod val="75000"/>
+            </a:schemeClr>
+          </a:solidFill>
+          <a:ln>
+            <a:solidFill>
+              <a:schemeClr val="bg2">
+                <a:lumMod val="75000"/>
+              </a:schemeClr>
+            </a:solidFill>
+          </a:ln>
+        </p:spPr>
+        <p:style>
+          <a:lnRef idx="2">
+            <a:schemeClr val="accent1">
+              <a:shade val="50000"/>
+            </a:schemeClr>
+          </a:lnRef>
+          <a:fillRef idx="1">
+            <a:schemeClr val="accent1"/>
+          </a:fillRef>
+          <a:effectRef idx="0">
+            <a:schemeClr val="accent1"/>
+          </a:effectRef>
+          <a:fontRef idx="minor">
+            <a:schemeClr val="lt1"/>
+          </a:fontRef>
+        </p:style>
+        <p:txBody>
+          <a:bodyPr rtlCol="0" anchor="ctr"/>
+          <a:lstStyle/>
+          <a:p>
+            <a:pPr algn="ctr"/>
+            <a:endParaRPr lang="ko-KR" altLang="en-US"/>
           </a:p>
         </p:txBody>
       </p:sp>
       <p:grpSp>
         <p:nvGrpSpPr>
-          <p:cNvPr id="41" name="그룹 40"/>
+          <p:cNvPr id="42" name="그룹 41"/>
           <p:cNvGrpSpPr/>
           <p:nvPr/>
         </p:nvGrpSpPr>
         <p:grpSpPr>
           <a:xfrm>
-            <a:off x="1298868" y="2210748"/>
-            <a:ext cx="4062952" cy="3440784"/>
-            <a:chOff x="4064524" y="2280902"/>
-            <a:chExt cx="4062952" cy="3440784"/>
+            <a:off x="2982525" y="3003886"/>
+            <a:ext cx="1086574" cy="790940"/>
+            <a:chOff x="2992191" y="3125925"/>
+            <a:chExt cx="1086574" cy="790940"/>
           </a:xfrm>
         </p:grpSpPr>
         <p:sp>
           <p:nvSpPr>
-            <p:cNvPr id="4" name="이등변 삼각형 3"/>
+            <p:cNvPr id="104" name="타원 103"/>
             <p:cNvSpPr/>
             <p:nvPr/>
           </p:nvSpPr>
           <p:spPr>
             <a:xfrm>
-              <a:off x="4064524" y="2280902"/>
-              <a:ext cx="4062952" cy="3440784"/>
+              <a:off x="2992191" y="3125925"/>
+              <a:ext cx="1047040" cy="790940"/>
             </a:xfrm>
-            <a:prstGeom prst="triangle">
+            <a:prstGeom prst="ellipse">
               <a:avLst/>
             </a:prstGeom>
-            <a:solidFill>
-              <a:schemeClr val="bg2">
-                <a:lumMod val="75000"/>
-              </a:schemeClr>
-            </a:solidFill>
+            <a:noFill/>
             <a:ln>
               <a:solidFill>
-                <a:schemeClr val="bg2">
-                  <a:lumMod val="75000"/>
-                </a:schemeClr>
+                <a:srgbClr val="FF0000"/>
               </a:solidFill>
             </a:ln>
           </p:spPr>
@@ -4749,115 +5366,1999 @@
             </a:p>
           </p:txBody>
         </p:sp>
-        <p:cxnSp>
-          <p:nvCxnSpPr>
-            <p:cNvPr id="6" name="직선 연결선 5"/>
-            <p:cNvCxnSpPr>
-              <a:stCxn id="4" idx="0"/>
-            </p:cNvCxnSpPr>
+        <p:sp>
+          <p:nvSpPr>
+            <p:cNvPr id="105" name="직사각형 104"/>
+            <p:cNvSpPr/>
             <p:nvPr/>
-          </p:nvCxnSpPr>
+          </p:nvSpPr>
           <p:spPr>
             <a:xfrm>
-              <a:off x="6096000" y="2280902"/>
-              <a:ext cx="0" cy="3440784"/>
+              <a:off x="3078170" y="3328595"/>
+              <a:ext cx="1000595" cy="461665"/>
             </a:xfrm>
-            <a:prstGeom prst="line">
+            <a:prstGeom prst="rect">
               <a:avLst/>
             </a:prstGeom>
           </p:spPr>
+          <p:txBody>
+            <a:bodyPr wrap="none">
+              <a:spAutoFit/>
+            </a:bodyPr>
+            <a:lstStyle/>
+            <a:p>
+              <a:r>
+                <a:rPr lang="ko-KR" altLang="en-US" sz="1200" b="1" dirty="0" err="1" smtClean="0">
+                  <a:solidFill>
+                    <a:srgbClr val="FF0000"/>
+                  </a:solidFill>
+                </a:rPr>
+                <a:t>밝기값</a:t>
+              </a:r>
+              <a:endParaRPr lang="en-US" altLang="ko-KR" sz="1200" b="1" dirty="0" smtClean="0">
+                <a:solidFill>
+                  <a:srgbClr val="FF0000"/>
+                </a:solidFill>
+              </a:endParaRPr>
+            </a:p>
+            <a:p>
+              <a:r>
+                <a:rPr lang="en-US" altLang="ko-KR" sz="1200" b="1" dirty="0" smtClean="0">
+                  <a:solidFill>
+                    <a:srgbClr val="FF0000"/>
+                  </a:solidFill>
+                </a:rPr>
+                <a:t>240DN</a:t>
+              </a:r>
+              <a:r>
+                <a:rPr lang="ko-KR" altLang="en-US" sz="1200" b="1" dirty="0" smtClean="0">
+                  <a:solidFill>
+                    <a:srgbClr val="FF0000"/>
+                  </a:solidFill>
+                </a:rPr>
+                <a:t>이상</a:t>
+              </a:r>
+              <a:endParaRPr lang="ko-KR" altLang="en-US" sz="1200" b="1" dirty="0">
+                <a:solidFill>
+                  <a:srgbClr val="FF0000"/>
+                </a:solidFill>
+              </a:endParaRPr>
+            </a:p>
+          </p:txBody>
+        </p:sp>
+      </p:grpSp>
+      <p:sp>
+        <p:nvSpPr>
+          <p:cNvPr id="106" name="직사각형 105"/>
+          <p:cNvSpPr/>
+          <p:nvPr/>
+        </p:nvSpPr>
+        <p:spPr>
+          <a:xfrm>
+            <a:off x="1678206" y="2658711"/>
+            <a:ext cx="2368858" cy="2454709"/>
+          </a:xfrm>
+          <a:prstGeom prst="rect">
+            <a:avLst/>
+          </a:prstGeom>
+          <a:noFill/>
+          <a:ln w="19050">
+            <a:solidFill>
+              <a:srgbClr val="FF0000"/>
+            </a:solidFill>
+          </a:ln>
+        </p:spPr>
+        <p:style>
+          <a:lnRef idx="2">
+            <a:schemeClr val="accent1">
+              <a:shade val="50000"/>
+            </a:schemeClr>
+          </a:lnRef>
+          <a:fillRef idx="1">
+            <a:schemeClr val="accent1"/>
+          </a:fillRef>
+          <a:effectRef idx="0">
+            <a:schemeClr val="accent1"/>
+          </a:effectRef>
+          <a:fontRef idx="minor">
+            <a:schemeClr val="lt1"/>
+          </a:fontRef>
+        </p:style>
+        <p:txBody>
+          <a:bodyPr rtlCol="0" anchor="ctr"/>
+          <a:lstStyle/>
+          <a:p>
+            <a:pPr algn="ctr"/>
+            <a:endParaRPr lang="ko-KR" altLang="en-US"/>
+          </a:p>
+        </p:txBody>
+      </p:sp>
+      <p:cxnSp>
+        <p:nvCxnSpPr>
+          <p:cNvPr id="98" name="직선 화살표 연결선 97"/>
+          <p:cNvCxnSpPr/>
+          <p:nvPr/>
+        </p:nvCxnSpPr>
+        <p:spPr>
+          <a:xfrm>
+            <a:off x="2850432" y="2673656"/>
+            <a:ext cx="0" cy="2439765"/>
+          </a:xfrm>
+          <a:prstGeom prst="straightConnector1">
+            <a:avLst/>
+          </a:prstGeom>
+          <a:ln w="15875">
+            <a:solidFill>
+              <a:srgbClr val="FF0000"/>
+            </a:solidFill>
+            <a:headEnd type="triangle"/>
+            <a:tailEnd type="triangle"/>
+          </a:ln>
+        </p:spPr>
+        <p:style>
+          <a:lnRef idx="1">
+            <a:schemeClr val="accent1"/>
+          </a:lnRef>
+          <a:fillRef idx="0">
+            <a:schemeClr val="accent1"/>
+          </a:fillRef>
+          <a:effectRef idx="0">
+            <a:schemeClr val="accent1"/>
+          </a:effectRef>
+          <a:fontRef idx="minor">
+            <a:schemeClr val="tx1"/>
+          </a:fontRef>
+        </p:style>
+      </p:cxnSp>
+      <p:sp>
+        <p:nvSpPr>
+          <p:cNvPr id="30" name="직사각형 29"/>
+          <p:cNvSpPr/>
+          <p:nvPr/>
+        </p:nvSpPr>
+        <p:spPr>
+          <a:xfrm>
+            <a:off x="2615669" y="5296198"/>
+            <a:ext cx="689612" cy="276999"/>
+          </a:xfrm>
+          <a:prstGeom prst="rect">
+            <a:avLst/>
+          </a:prstGeom>
+        </p:spPr>
+        <p:txBody>
+          <a:bodyPr wrap="none">
+            <a:spAutoFit/>
+          </a:bodyPr>
+          <a:lstStyle/>
+          <a:p>
+            <a:r>
+              <a:rPr lang="en-US" altLang="ko-KR" sz="1200" b="1" dirty="0" smtClean="0">
+                <a:solidFill>
+                  <a:srgbClr val="FF0000"/>
+                </a:solidFill>
+              </a:rPr>
+              <a:t>500um</a:t>
+            </a:r>
+            <a:endParaRPr lang="ko-KR" altLang="en-US" sz="1200" b="1" dirty="0">
+              <a:solidFill>
+                <a:srgbClr val="FF0000"/>
+              </a:solidFill>
+            </a:endParaRPr>
+          </a:p>
+        </p:txBody>
+      </p:sp>
+      <p:sp>
+        <p:nvSpPr>
+          <p:cNvPr id="107" name="이등변 삼각형 106"/>
+          <p:cNvSpPr/>
+          <p:nvPr/>
+        </p:nvSpPr>
+        <p:spPr>
+          <a:xfrm>
+            <a:off x="1678205" y="2674568"/>
+            <a:ext cx="2340696" cy="2438852"/>
+          </a:xfrm>
+          <a:prstGeom prst="triangle">
+            <a:avLst/>
+          </a:prstGeom>
+          <a:noFill/>
+          <a:ln>
+            <a:solidFill>
+              <a:srgbClr val="FF0000"/>
+            </a:solidFill>
+          </a:ln>
+        </p:spPr>
+        <p:style>
+          <a:lnRef idx="2">
+            <a:schemeClr val="accent1">
+              <a:shade val="50000"/>
+            </a:schemeClr>
+          </a:lnRef>
+          <a:fillRef idx="1">
+            <a:schemeClr val="accent1"/>
+          </a:fillRef>
+          <a:effectRef idx="0">
+            <a:schemeClr val="accent1"/>
+          </a:effectRef>
+          <a:fontRef idx="minor">
+            <a:schemeClr val="lt1"/>
+          </a:fontRef>
+        </p:style>
+        <p:txBody>
+          <a:bodyPr rtlCol="0" anchor="ctr"/>
+          <a:lstStyle/>
+          <a:p>
+            <a:pPr algn="ctr"/>
+            <a:endParaRPr lang="ko-KR" altLang="en-US"/>
+          </a:p>
+        </p:txBody>
+      </p:sp>
+      <p:cxnSp>
+        <p:nvCxnSpPr>
+          <p:cNvPr id="86" name="직선 연결선 85"/>
+          <p:cNvCxnSpPr>
+            <a:endCxn id="59" idx="3"/>
+          </p:cNvCxnSpPr>
+          <p:nvPr/>
+        </p:nvCxnSpPr>
+        <p:spPr>
+          <a:xfrm>
+            <a:off x="921694" y="3916865"/>
+            <a:ext cx="4004199" cy="0"/>
+          </a:xfrm>
+          <a:prstGeom prst="line">
+            <a:avLst/>
+          </a:prstGeom>
+          <a:ln>
+            <a:solidFill>
+              <a:schemeClr val="tx1"/>
+            </a:solidFill>
+            <a:prstDash val="dash"/>
+          </a:ln>
+        </p:spPr>
+        <p:style>
+          <a:lnRef idx="1">
+            <a:schemeClr val="accent1"/>
+          </a:lnRef>
+          <a:fillRef idx="0">
+            <a:schemeClr val="accent1"/>
+          </a:fillRef>
+          <a:effectRef idx="0">
+            <a:schemeClr val="accent1"/>
+          </a:effectRef>
+          <a:fontRef idx="minor">
+            <a:schemeClr val="tx1"/>
+          </a:fontRef>
+        </p:style>
+      </p:cxnSp>
+      <p:cxnSp>
+        <p:nvCxnSpPr>
+          <p:cNvPr id="7" name="직선 연결선 6"/>
+          <p:cNvCxnSpPr>
+            <a:stCxn id="59" idx="0"/>
+            <a:endCxn id="59" idx="2"/>
+          </p:cNvCxnSpPr>
+          <p:nvPr/>
+        </p:nvCxnSpPr>
+        <p:spPr>
+          <a:xfrm>
+            <a:off x="2923794" y="1862422"/>
+            <a:ext cx="0" cy="4108886"/>
+          </a:xfrm>
+          <a:prstGeom prst="line">
+            <a:avLst/>
+          </a:prstGeom>
+          <a:ln>
+            <a:solidFill>
+              <a:schemeClr val="tx1"/>
+            </a:solidFill>
+            <a:prstDash val="dash"/>
+          </a:ln>
+        </p:spPr>
+        <p:style>
+          <a:lnRef idx="1">
+            <a:schemeClr val="accent1"/>
+          </a:lnRef>
+          <a:fillRef idx="0">
+            <a:schemeClr val="accent1"/>
+          </a:fillRef>
+          <a:effectRef idx="0">
+            <a:schemeClr val="accent1"/>
+          </a:effectRef>
+          <a:fontRef idx="minor">
+            <a:schemeClr val="tx1"/>
+          </a:fontRef>
+        </p:style>
+      </p:cxnSp>
+      <p:pic>
+        <p:nvPicPr>
+          <p:cNvPr id="16" name="그림 15"/>
+          <p:cNvPicPr>
+            <a:picLocks noChangeAspect="1"/>
+          </p:cNvPicPr>
+          <p:nvPr/>
+        </p:nvPicPr>
+        <p:blipFill>
+          <a:blip r:embed="rId4"/>
+          <a:stretch>
+            <a:fillRect/>
+          </a:stretch>
+        </p:blipFill>
+        <p:spPr>
+          <a:xfrm>
+            <a:off x="417352" y="1333841"/>
+            <a:ext cx="2738862" cy="1169536"/>
+          </a:xfrm>
+          <a:prstGeom prst="rect">
+            <a:avLst/>
+          </a:prstGeom>
+        </p:spPr>
+      </p:pic>
+      <p:cxnSp>
+        <p:nvCxnSpPr>
+          <p:cNvPr id="108" name="직선 연결선 107"/>
+          <p:cNvCxnSpPr/>
+          <p:nvPr/>
+        </p:nvCxnSpPr>
+        <p:spPr>
+          <a:xfrm flipV="1">
+            <a:off x="1661435" y="5107610"/>
+            <a:ext cx="0" cy="521711"/>
+          </a:xfrm>
+          <a:prstGeom prst="line">
+            <a:avLst/>
+          </a:prstGeom>
+          <a:ln w="15875">
+            <a:solidFill>
+              <a:srgbClr val="FF0000"/>
+            </a:solidFill>
+          </a:ln>
+        </p:spPr>
+        <p:style>
+          <a:lnRef idx="1">
+            <a:schemeClr val="accent1"/>
+          </a:lnRef>
+          <a:fillRef idx="0">
+            <a:schemeClr val="accent1"/>
+          </a:fillRef>
+          <a:effectRef idx="0">
+            <a:schemeClr val="accent1"/>
+          </a:effectRef>
+          <a:fontRef idx="minor">
+            <a:schemeClr val="tx1"/>
+          </a:fontRef>
+        </p:style>
+      </p:cxnSp>
+      <p:cxnSp>
+        <p:nvCxnSpPr>
+          <p:cNvPr id="109" name="직선 연결선 108"/>
+          <p:cNvCxnSpPr/>
+          <p:nvPr/>
+        </p:nvCxnSpPr>
+        <p:spPr>
+          <a:xfrm flipV="1">
+            <a:off x="4047064" y="5051486"/>
+            <a:ext cx="0" cy="521711"/>
+          </a:xfrm>
+          <a:prstGeom prst="line">
+            <a:avLst/>
+          </a:prstGeom>
+          <a:ln w="15875">
+            <a:solidFill>
+              <a:srgbClr val="FF0000"/>
+            </a:solidFill>
+          </a:ln>
+        </p:spPr>
+        <p:style>
+          <a:lnRef idx="1">
+            <a:schemeClr val="accent1"/>
+          </a:lnRef>
+          <a:fillRef idx="0">
+            <a:schemeClr val="accent1"/>
+          </a:fillRef>
+          <a:effectRef idx="0">
+            <a:schemeClr val="accent1"/>
+          </a:effectRef>
+          <a:fontRef idx="minor">
+            <a:schemeClr val="tx1"/>
+          </a:fontRef>
+        </p:style>
+      </p:cxnSp>
+      <p:cxnSp>
+        <p:nvCxnSpPr>
+          <p:cNvPr id="110" name="직선 화살표 연결선 109"/>
+          <p:cNvCxnSpPr/>
+          <p:nvPr/>
+        </p:nvCxnSpPr>
+        <p:spPr>
+          <a:xfrm>
+            <a:off x="1661435" y="5344207"/>
+            <a:ext cx="2315456" cy="0"/>
+          </a:xfrm>
+          <a:prstGeom prst="straightConnector1">
+            <a:avLst/>
+          </a:prstGeom>
+          <a:ln w="15875">
+            <a:solidFill>
+              <a:srgbClr val="FF0000"/>
+            </a:solidFill>
+            <a:headEnd type="triangle"/>
+            <a:tailEnd type="triangle"/>
+          </a:ln>
+        </p:spPr>
+        <p:style>
+          <a:lnRef idx="1">
+            <a:schemeClr val="accent1"/>
+          </a:lnRef>
+          <a:fillRef idx="0">
+            <a:schemeClr val="accent1"/>
+          </a:fillRef>
+          <a:effectRef idx="0">
+            <a:schemeClr val="accent1"/>
+          </a:effectRef>
+          <a:fontRef idx="minor">
+            <a:schemeClr val="tx1"/>
+          </a:fontRef>
+        </p:style>
+      </p:cxnSp>
+      <p:sp>
+        <p:nvSpPr>
+          <p:cNvPr id="111" name="직사각형 110"/>
+          <p:cNvSpPr/>
+          <p:nvPr/>
+        </p:nvSpPr>
+        <p:spPr>
+          <a:xfrm>
+            <a:off x="2376487" y="4070027"/>
+            <a:ext cx="498855" cy="276999"/>
+          </a:xfrm>
+          <a:prstGeom prst="rect">
+            <a:avLst/>
+          </a:prstGeom>
+        </p:spPr>
+        <p:txBody>
+          <a:bodyPr wrap="none">
+            <a:spAutoFit/>
+          </a:bodyPr>
+          <a:lstStyle/>
+          <a:p>
+            <a:r>
+              <a:rPr lang="en-US" altLang="ko-KR" sz="1200" b="1" dirty="0" smtClean="0">
+                <a:solidFill>
+                  <a:srgbClr val="FF0000"/>
+                </a:solidFill>
+              </a:rPr>
+              <a:t>60%</a:t>
+            </a:r>
+            <a:endParaRPr lang="ko-KR" altLang="en-US" sz="1200" b="1" dirty="0">
+              <a:solidFill>
+                <a:srgbClr val="FF0000"/>
+              </a:solidFill>
+            </a:endParaRPr>
+          </a:p>
+        </p:txBody>
+      </p:sp>
+      <p:cxnSp>
+        <p:nvCxnSpPr>
+          <p:cNvPr id="50" name="직선 화살표 연결선 49"/>
+          <p:cNvCxnSpPr/>
+          <p:nvPr/>
+        </p:nvCxnSpPr>
+        <p:spPr>
+          <a:xfrm flipH="1">
+            <a:off x="1864908" y="1501656"/>
+            <a:ext cx="3321808" cy="1431329"/>
+          </a:xfrm>
+          <a:prstGeom prst="straightConnector1">
+            <a:avLst/>
+          </a:prstGeom>
+          <a:ln w="19050">
+            <a:solidFill>
+              <a:srgbClr val="FF0000"/>
+            </a:solidFill>
+            <a:tailEnd type="triangle"/>
+          </a:ln>
+        </p:spPr>
+        <p:style>
+          <a:lnRef idx="1">
+            <a:schemeClr val="accent1"/>
+          </a:lnRef>
+          <a:fillRef idx="0">
+            <a:schemeClr val="accent1"/>
+          </a:fillRef>
+          <a:effectRef idx="0">
+            <a:schemeClr val="accent1"/>
+          </a:effectRef>
+          <a:fontRef idx="minor">
+            <a:schemeClr val="tx1"/>
+          </a:fontRef>
+        </p:style>
+      </p:cxnSp>
+      <p:cxnSp>
+        <p:nvCxnSpPr>
+          <p:cNvPr id="113" name="직선 화살표 연결선 112"/>
+          <p:cNvCxnSpPr/>
+          <p:nvPr/>
+        </p:nvCxnSpPr>
+        <p:spPr>
+          <a:xfrm flipH="1">
+            <a:off x="3715843" y="1515773"/>
+            <a:ext cx="1428074" cy="1295173"/>
+          </a:xfrm>
+          <a:prstGeom prst="straightConnector1">
+            <a:avLst/>
+          </a:prstGeom>
+          <a:ln w="19050">
+            <a:solidFill>
+              <a:srgbClr val="FF0000"/>
+            </a:solidFill>
+            <a:tailEnd type="triangle"/>
+          </a:ln>
+        </p:spPr>
+        <p:style>
+          <a:lnRef idx="1">
+            <a:schemeClr val="accent1"/>
+          </a:lnRef>
+          <a:fillRef idx="0">
+            <a:schemeClr val="accent1"/>
+          </a:fillRef>
+          <a:effectRef idx="0">
+            <a:schemeClr val="accent1"/>
+          </a:effectRef>
+          <a:fontRef idx="minor">
+            <a:schemeClr val="tx1"/>
+          </a:fontRef>
+        </p:style>
+      </p:cxnSp>
+      <p:cxnSp>
+        <p:nvCxnSpPr>
+          <p:cNvPr id="115" name="직선 화살표 연결선 114"/>
+          <p:cNvCxnSpPr/>
+          <p:nvPr/>
+        </p:nvCxnSpPr>
+        <p:spPr>
+          <a:xfrm flipH="1">
+            <a:off x="2132598" y="1540049"/>
+            <a:ext cx="3030492" cy="3471036"/>
+          </a:xfrm>
+          <a:prstGeom prst="straightConnector1">
+            <a:avLst/>
+          </a:prstGeom>
+          <a:ln w="19050">
+            <a:solidFill>
+              <a:srgbClr val="FF0000"/>
+            </a:solidFill>
+            <a:tailEnd type="triangle"/>
+          </a:ln>
+        </p:spPr>
+        <p:style>
+          <a:lnRef idx="1">
+            <a:schemeClr val="accent1"/>
+          </a:lnRef>
+          <a:fillRef idx="0">
+            <a:schemeClr val="accent1"/>
+          </a:fillRef>
+          <a:effectRef idx="0">
+            <a:schemeClr val="accent1"/>
+          </a:effectRef>
+          <a:fontRef idx="minor">
+            <a:schemeClr val="tx1"/>
+          </a:fontRef>
+        </p:style>
+      </p:cxnSp>
+      <p:cxnSp>
+        <p:nvCxnSpPr>
+          <p:cNvPr id="121" name="직선 화살표 연결선 120"/>
+          <p:cNvCxnSpPr/>
+          <p:nvPr/>
+        </p:nvCxnSpPr>
+        <p:spPr>
+          <a:xfrm flipH="1">
+            <a:off x="3729658" y="1533549"/>
+            <a:ext cx="1414258" cy="3421048"/>
+          </a:xfrm>
+          <a:prstGeom prst="straightConnector1">
+            <a:avLst/>
+          </a:prstGeom>
+          <a:ln w="19050">
+            <a:solidFill>
+              <a:srgbClr val="FF0000"/>
+            </a:solidFill>
+            <a:tailEnd type="triangle"/>
+          </a:ln>
+        </p:spPr>
+        <p:style>
+          <a:lnRef idx="1">
+            <a:schemeClr val="accent1"/>
+          </a:lnRef>
+          <a:fillRef idx="0">
+            <a:schemeClr val="accent1"/>
+          </a:fillRef>
+          <a:effectRef idx="0">
+            <a:schemeClr val="accent1"/>
+          </a:effectRef>
+          <a:fontRef idx="minor">
+            <a:schemeClr val="tx1"/>
+          </a:fontRef>
+        </p:style>
+      </p:cxnSp>
+      <p:sp>
+        <p:nvSpPr>
+          <p:cNvPr id="124" name="직사각형 123"/>
+          <p:cNvSpPr/>
+          <p:nvPr/>
+        </p:nvSpPr>
+        <p:spPr>
+          <a:xfrm>
+            <a:off x="9647733" y="4666509"/>
+            <a:ext cx="2395878" cy="338554"/>
+          </a:xfrm>
+          <a:prstGeom prst="rect">
+            <a:avLst/>
+          </a:prstGeom>
+        </p:spPr>
+        <p:txBody>
+          <a:bodyPr wrap="square">
+            <a:spAutoFit/>
+          </a:bodyPr>
+          <a:lstStyle/>
+          <a:p>
+            <a:r>
+              <a:rPr lang="ko-KR" altLang="en-US" sz="1600" b="1" dirty="0" err="1" smtClean="0">
+                <a:solidFill>
+                  <a:schemeClr val="accent6">
+                    <a:lumMod val="75000"/>
+                  </a:schemeClr>
+                </a:solidFill>
+              </a:rPr>
+              <a:t>마킹한</a:t>
+            </a:r>
+            <a:r>
+              <a:rPr lang="ko-KR" altLang="en-US" sz="1600" b="1" dirty="0" smtClean="0">
+                <a:solidFill>
+                  <a:schemeClr val="accent6">
+                    <a:lumMod val="75000"/>
+                  </a:schemeClr>
+                </a:solidFill>
+              </a:rPr>
+              <a:t> 부분으로 인식함</a:t>
+            </a:r>
+            <a:endParaRPr lang="ko-KR" altLang="en-US" sz="1600" b="1" dirty="0">
+              <a:solidFill>
+                <a:schemeClr val="accent6">
+                  <a:lumMod val="75000"/>
+                </a:schemeClr>
+              </a:solidFill>
+            </a:endParaRPr>
+          </a:p>
+        </p:txBody>
+      </p:sp>
+      <p:pic>
+        <p:nvPicPr>
+          <p:cNvPr id="125" name="그림 124"/>
+          <p:cNvPicPr>
+            <a:picLocks noChangeAspect="1"/>
+          </p:cNvPicPr>
+          <p:nvPr/>
+        </p:nvPicPr>
+        <p:blipFill>
+          <a:blip r:embed="rId5"/>
+          <a:stretch>
+            <a:fillRect/>
+          </a:stretch>
+        </p:blipFill>
+        <p:spPr>
+          <a:xfrm>
+            <a:off x="3757505" y="6324598"/>
+            <a:ext cx="988292" cy="484163"/>
+          </a:xfrm>
+          <a:prstGeom prst="rect">
+            <a:avLst/>
+          </a:prstGeom>
+        </p:spPr>
+      </p:pic>
+      <p:pic>
+        <p:nvPicPr>
+          <p:cNvPr id="126" name="그림 125"/>
+          <p:cNvPicPr>
+            <a:picLocks noChangeAspect="1"/>
+          </p:cNvPicPr>
+          <p:nvPr/>
+        </p:nvPicPr>
+        <p:blipFill>
+          <a:blip r:embed="rId6"/>
+          <a:stretch>
+            <a:fillRect/>
+          </a:stretch>
+        </p:blipFill>
+        <p:spPr>
+          <a:xfrm>
+            <a:off x="8202610" y="1344873"/>
+            <a:ext cx="2705778" cy="1178517"/>
+          </a:xfrm>
+          <a:prstGeom prst="rect">
+            <a:avLst/>
+          </a:prstGeom>
+        </p:spPr>
+      </p:pic>
+      <p:grpSp>
+        <p:nvGrpSpPr>
+          <p:cNvPr id="127" name="그룹 126"/>
+          <p:cNvGrpSpPr/>
+          <p:nvPr/>
+        </p:nvGrpSpPr>
+        <p:grpSpPr>
+          <a:xfrm>
+            <a:off x="7574742" y="3797495"/>
+            <a:ext cx="832623" cy="790940"/>
+            <a:chOff x="2992191" y="3125925"/>
+            <a:chExt cx="1086574" cy="790940"/>
+          </a:xfrm>
+        </p:grpSpPr>
+        <p:sp>
+          <p:nvSpPr>
+            <p:cNvPr id="128" name="타원 127"/>
+            <p:cNvSpPr/>
+            <p:nvPr/>
+          </p:nvSpPr>
+          <p:spPr>
+            <a:xfrm>
+              <a:off x="2992191" y="3125925"/>
+              <a:ext cx="1047040" cy="790940"/>
+            </a:xfrm>
+            <a:prstGeom prst="ellipse">
+              <a:avLst/>
+            </a:prstGeom>
+            <a:noFill/>
+            <a:ln>
+              <a:solidFill>
+                <a:srgbClr val="FF0000"/>
+              </a:solidFill>
+            </a:ln>
+          </p:spPr>
           <p:style>
-            <a:lnRef idx="1">
-              <a:schemeClr val="accent1"/>
+            <a:lnRef idx="2">
+              <a:schemeClr val="accent1">
+                <a:shade val="50000"/>
+              </a:schemeClr>
             </a:lnRef>
-            <a:fillRef idx="0">
+            <a:fillRef idx="1">
               <a:schemeClr val="accent1"/>
             </a:fillRef>
             <a:effectRef idx="0">
               <a:schemeClr val="accent1"/>
             </a:effectRef>
             <a:fontRef idx="minor">
-              <a:schemeClr val="tx1"/>
+              <a:schemeClr val="lt1"/>
             </a:fontRef>
           </p:style>
-        </p:cxnSp>
-        <p:cxnSp>
-          <p:nvCxnSpPr>
-            <p:cNvPr id="8" name="직선 연결선 7"/>
-            <p:cNvCxnSpPr>
-              <a:stCxn id="4" idx="5"/>
-            </p:cNvCxnSpPr>
+          <p:txBody>
+            <a:bodyPr rtlCol="0" anchor="ctr"/>
+            <a:lstStyle/>
+            <a:p>
+              <a:pPr algn="ctr"/>
+              <a:endParaRPr lang="ko-KR" altLang="en-US"/>
+            </a:p>
+          </p:txBody>
+        </p:sp>
+        <p:sp>
+          <p:nvSpPr>
+            <p:cNvPr id="129" name="직사각형 128"/>
+            <p:cNvSpPr/>
             <p:nvPr/>
-          </p:nvCxnSpPr>
+          </p:nvSpPr>
           <p:spPr>
-            <a:xfrm flipH="1">
-              <a:off x="4064524" y="4001294"/>
-              <a:ext cx="3047214" cy="1720392"/>
+            <a:xfrm>
+              <a:off x="3078170" y="3328595"/>
+              <a:ext cx="1000595" cy="461665"/>
             </a:xfrm>
-            <a:prstGeom prst="line">
+            <a:prstGeom prst="rect">
               <a:avLst/>
             </a:prstGeom>
           </p:spPr>
+          <p:txBody>
+            <a:bodyPr wrap="none">
+              <a:spAutoFit/>
+            </a:bodyPr>
+            <a:lstStyle/>
+            <a:p>
+              <a:r>
+                <a:rPr lang="ko-KR" altLang="en-US" sz="1200" b="1" dirty="0" err="1" smtClean="0">
+                  <a:solidFill>
+                    <a:srgbClr val="FF0000"/>
+                  </a:solidFill>
+                </a:rPr>
+                <a:t>밝기값</a:t>
+              </a:r>
+              <a:endParaRPr lang="en-US" altLang="ko-KR" sz="1200" b="1" dirty="0" smtClean="0">
+                <a:solidFill>
+                  <a:srgbClr val="FF0000"/>
+                </a:solidFill>
+              </a:endParaRPr>
+            </a:p>
+            <a:p>
+              <a:r>
+                <a:rPr lang="en-US" altLang="ko-KR" sz="1200" b="1" dirty="0" smtClean="0">
+                  <a:solidFill>
+                    <a:srgbClr val="FF0000"/>
+                  </a:solidFill>
+                </a:rPr>
+                <a:t>240DN</a:t>
+              </a:r>
+              <a:r>
+                <a:rPr lang="ko-KR" altLang="en-US" sz="1200" b="1" dirty="0" smtClean="0">
+                  <a:solidFill>
+                    <a:srgbClr val="FF0000"/>
+                  </a:solidFill>
+                </a:rPr>
+                <a:t>이상</a:t>
+              </a:r>
+              <a:endParaRPr lang="ko-KR" altLang="en-US" sz="1200" b="1" dirty="0">
+                <a:solidFill>
+                  <a:srgbClr val="FF0000"/>
+                </a:solidFill>
+              </a:endParaRPr>
+            </a:p>
+          </p:txBody>
+        </p:sp>
+      </p:grpSp>
+      <p:sp>
+        <p:nvSpPr>
+          <p:cNvPr id="130" name="직사각형 129"/>
+          <p:cNvSpPr/>
+          <p:nvPr/>
+        </p:nvSpPr>
+        <p:spPr>
+          <a:xfrm>
+            <a:off x="6510352" y="3297659"/>
+            <a:ext cx="1329171" cy="1263298"/>
+          </a:xfrm>
+          <a:prstGeom prst="rect">
+            <a:avLst/>
+          </a:prstGeom>
+          <a:noFill/>
+          <a:ln w="19050">
+            <a:solidFill>
+              <a:srgbClr val="FF0000"/>
+            </a:solidFill>
+          </a:ln>
+        </p:spPr>
+        <p:style>
+          <a:lnRef idx="2">
+            <a:schemeClr val="accent1">
+              <a:shade val="50000"/>
+            </a:schemeClr>
+          </a:lnRef>
+          <a:fillRef idx="1">
+            <a:schemeClr val="accent1"/>
+          </a:fillRef>
+          <a:effectRef idx="0">
+            <a:schemeClr val="accent1"/>
+          </a:effectRef>
+          <a:fontRef idx="minor">
+            <a:schemeClr val="lt1"/>
+          </a:fontRef>
+        </p:style>
+        <p:txBody>
+          <a:bodyPr rtlCol="0" anchor="ctr"/>
+          <a:lstStyle/>
+          <a:p>
+            <a:pPr algn="ctr"/>
+            <a:endParaRPr lang="ko-KR" altLang="en-US"/>
+          </a:p>
+        </p:txBody>
+      </p:sp>
+      <p:cxnSp>
+        <p:nvCxnSpPr>
+          <p:cNvPr id="131" name="직선 연결선 130"/>
+          <p:cNvCxnSpPr/>
+          <p:nvPr/>
+        </p:nvCxnSpPr>
+        <p:spPr>
+          <a:xfrm flipV="1">
+            <a:off x="6491178" y="4542491"/>
+            <a:ext cx="18007" cy="468594"/>
+          </a:xfrm>
+          <a:prstGeom prst="line">
+            <a:avLst/>
+          </a:prstGeom>
+          <a:ln w="15875">
+            <a:solidFill>
+              <a:srgbClr val="FF0000"/>
+            </a:solidFill>
+          </a:ln>
+        </p:spPr>
+        <p:style>
+          <a:lnRef idx="1">
+            <a:schemeClr val="accent1"/>
+          </a:lnRef>
+          <a:fillRef idx="0">
+            <a:schemeClr val="accent1"/>
+          </a:fillRef>
+          <a:effectRef idx="0">
+            <a:schemeClr val="accent1"/>
+          </a:effectRef>
+          <a:fontRef idx="minor">
+            <a:schemeClr val="tx1"/>
+          </a:fontRef>
+        </p:style>
+      </p:cxnSp>
+      <p:cxnSp>
+        <p:nvCxnSpPr>
+          <p:cNvPr id="133" name="직선 연결선 132"/>
+          <p:cNvCxnSpPr/>
+          <p:nvPr/>
+        </p:nvCxnSpPr>
+        <p:spPr>
+          <a:xfrm flipV="1">
+            <a:off x="7808502" y="4565581"/>
+            <a:ext cx="18007" cy="468594"/>
+          </a:xfrm>
+          <a:prstGeom prst="line">
+            <a:avLst/>
+          </a:prstGeom>
+          <a:ln w="15875">
+            <a:solidFill>
+              <a:srgbClr val="FF0000"/>
+            </a:solidFill>
+          </a:ln>
+        </p:spPr>
+        <p:style>
+          <a:lnRef idx="1">
+            <a:schemeClr val="accent1"/>
+          </a:lnRef>
+          <a:fillRef idx="0">
+            <a:schemeClr val="accent1"/>
+          </a:fillRef>
+          <a:effectRef idx="0">
+            <a:schemeClr val="accent1"/>
+          </a:effectRef>
+          <a:fontRef idx="minor">
+            <a:schemeClr val="tx1"/>
+          </a:fontRef>
+        </p:style>
+      </p:cxnSp>
+      <p:cxnSp>
+        <p:nvCxnSpPr>
+          <p:cNvPr id="134" name="직선 화살표 연결선 133"/>
+          <p:cNvCxnSpPr/>
+          <p:nvPr/>
+        </p:nvCxnSpPr>
+        <p:spPr>
+          <a:xfrm>
+            <a:off x="6500181" y="4799878"/>
+            <a:ext cx="1308321" cy="0"/>
+          </a:xfrm>
+          <a:prstGeom prst="straightConnector1">
+            <a:avLst/>
+          </a:prstGeom>
+          <a:ln w="15875">
+            <a:solidFill>
+              <a:srgbClr val="FF0000"/>
+            </a:solidFill>
+            <a:headEnd type="triangle"/>
+            <a:tailEnd type="triangle"/>
+          </a:ln>
+        </p:spPr>
+        <p:style>
+          <a:lnRef idx="1">
+            <a:schemeClr val="accent1"/>
+          </a:lnRef>
+          <a:fillRef idx="0">
+            <a:schemeClr val="accent1"/>
+          </a:fillRef>
+          <a:effectRef idx="0">
+            <a:schemeClr val="accent1"/>
+          </a:effectRef>
+          <a:fontRef idx="minor">
+            <a:schemeClr val="tx1"/>
+          </a:fontRef>
+        </p:style>
+      </p:cxnSp>
+      <p:sp>
+        <p:nvSpPr>
+          <p:cNvPr id="136" name="직사각형 135"/>
+          <p:cNvSpPr/>
+          <p:nvPr/>
+        </p:nvSpPr>
+        <p:spPr>
+          <a:xfrm>
+            <a:off x="6887640" y="4799878"/>
+            <a:ext cx="689612" cy="276999"/>
+          </a:xfrm>
+          <a:prstGeom prst="rect">
+            <a:avLst/>
+          </a:prstGeom>
+        </p:spPr>
+        <p:txBody>
+          <a:bodyPr wrap="none">
+            <a:spAutoFit/>
+          </a:bodyPr>
+          <a:lstStyle/>
+          <a:p>
+            <a:r>
+              <a:rPr lang="en-US" altLang="ko-KR" sz="1200" b="1" dirty="0" smtClean="0">
+                <a:solidFill>
+                  <a:srgbClr val="FF0000"/>
+                </a:solidFill>
+              </a:rPr>
+              <a:t>300um</a:t>
+            </a:r>
+            <a:endParaRPr lang="ko-KR" altLang="en-US" sz="1200" b="1" dirty="0">
+              <a:solidFill>
+                <a:srgbClr val="FF0000"/>
+              </a:solidFill>
+            </a:endParaRPr>
+          </a:p>
+        </p:txBody>
+      </p:sp>
+      <p:sp>
+        <p:nvSpPr>
+          <p:cNvPr id="137" name="이등변 삼각형 136"/>
+          <p:cNvSpPr/>
+          <p:nvPr/>
+        </p:nvSpPr>
+        <p:spPr>
+          <a:xfrm>
+            <a:off x="6804196" y="3601620"/>
+            <a:ext cx="713735" cy="676547"/>
+          </a:xfrm>
+          <a:prstGeom prst="triangle">
+            <a:avLst/>
+          </a:prstGeom>
+          <a:solidFill>
+            <a:schemeClr val="bg2">
+              <a:lumMod val="75000"/>
+            </a:schemeClr>
+          </a:solidFill>
+          <a:ln>
+            <a:solidFill>
+              <a:schemeClr val="bg2">
+                <a:lumMod val="75000"/>
+              </a:schemeClr>
+            </a:solidFill>
+          </a:ln>
+        </p:spPr>
+        <p:style>
+          <a:lnRef idx="2">
+            <a:schemeClr val="accent1">
+              <a:shade val="50000"/>
+            </a:schemeClr>
+          </a:lnRef>
+          <a:fillRef idx="1">
+            <a:schemeClr val="accent1"/>
+          </a:fillRef>
+          <a:effectRef idx="0">
+            <a:schemeClr val="accent1"/>
+          </a:effectRef>
+          <a:fontRef idx="minor">
+            <a:schemeClr val="lt1"/>
+          </a:fontRef>
+        </p:style>
+        <p:txBody>
+          <a:bodyPr rtlCol="0" anchor="ctr"/>
+          <a:lstStyle/>
+          <a:p>
+            <a:pPr algn="ctr"/>
+            <a:endParaRPr lang="ko-KR" altLang="en-US"/>
+          </a:p>
+        </p:txBody>
+      </p:sp>
+      <p:sp>
+        <p:nvSpPr>
+          <p:cNvPr id="138" name="직사각형 137"/>
+          <p:cNvSpPr/>
+          <p:nvPr/>
+        </p:nvSpPr>
+        <p:spPr>
+          <a:xfrm>
+            <a:off x="6948932" y="3975841"/>
+            <a:ext cx="498855" cy="276999"/>
+          </a:xfrm>
+          <a:prstGeom prst="rect">
+            <a:avLst/>
+          </a:prstGeom>
+        </p:spPr>
+        <p:txBody>
+          <a:bodyPr wrap="none">
+            <a:spAutoFit/>
+          </a:bodyPr>
+          <a:lstStyle/>
+          <a:p>
+            <a:r>
+              <a:rPr lang="en-US" altLang="ko-KR" sz="1200" b="1" dirty="0" smtClean="0">
+                <a:solidFill>
+                  <a:srgbClr val="FF0000"/>
+                </a:solidFill>
+              </a:rPr>
+              <a:t>50%</a:t>
+            </a:r>
+            <a:endParaRPr lang="ko-KR" altLang="en-US" sz="1200" b="1" dirty="0">
+              <a:solidFill>
+                <a:srgbClr val="FF0000"/>
+              </a:solidFill>
+            </a:endParaRPr>
+          </a:p>
+        </p:txBody>
+      </p:sp>
+      <p:sp>
+        <p:nvSpPr>
+          <p:cNvPr id="139" name="직사각형 138"/>
+          <p:cNvSpPr/>
+          <p:nvPr/>
+        </p:nvSpPr>
+        <p:spPr>
+          <a:xfrm>
+            <a:off x="9647733" y="2556064"/>
+            <a:ext cx="1930337" cy="276999"/>
+          </a:xfrm>
+          <a:prstGeom prst="rect">
+            <a:avLst/>
+          </a:prstGeom>
+        </p:spPr>
+        <p:txBody>
+          <a:bodyPr wrap="none">
+            <a:spAutoFit/>
+          </a:bodyPr>
+          <a:lstStyle/>
+          <a:p>
+            <a:r>
+              <a:rPr lang="ko-KR" altLang="en-US" sz="1200" b="1" dirty="0" smtClean="0">
+                <a:solidFill>
+                  <a:srgbClr val="FF0000"/>
+                </a:solidFill>
+              </a:rPr>
+              <a:t>카메라 중심 기준 </a:t>
+            </a:r>
+            <a:r>
+              <a:rPr lang="en-US" altLang="ko-KR" sz="1200" b="1" dirty="0" smtClean="0">
+                <a:solidFill>
+                  <a:srgbClr val="FF0000"/>
+                </a:solidFill>
+              </a:rPr>
+              <a:t>300um</a:t>
+            </a:r>
+            <a:endParaRPr lang="ko-KR" altLang="en-US" sz="1200" b="1" dirty="0">
+              <a:solidFill>
+                <a:srgbClr val="FF0000"/>
+              </a:solidFill>
+            </a:endParaRPr>
+          </a:p>
+        </p:txBody>
+      </p:sp>
+      <p:sp>
+        <p:nvSpPr>
+          <p:cNvPr id="140" name="직사각형 139"/>
+          <p:cNvSpPr/>
+          <p:nvPr/>
+        </p:nvSpPr>
+        <p:spPr>
+          <a:xfrm>
+            <a:off x="195974" y="2459944"/>
+            <a:ext cx="1930337" cy="276999"/>
+          </a:xfrm>
+          <a:prstGeom prst="rect">
+            <a:avLst/>
+          </a:prstGeom>
+        </p:spPr>
+        <p:txBody>
+          <a:bodyPr wrap="none">
+            <a:spAutoFit/>
+          </a:bodyPr>
+          <a:lstStyle/>
+          <a:p>
+            <a:r>
+              <a:rPr lang="ko-KR" altLang="en-US" sz="1200" b="1" dirty="0" smtClean="0">
+                <a:solidFill>
+                  <a:srgbClr val="FF0000"/>
+                </a:solidFill>
+              </a:rPr>
+              <a:t>카메라 중심 기준 </a:t>
+            </a:r>
+            <a:r>
+              <a:rPr lang="en-US" altLang="ko-KR" sz="1200" b="1" dirty="0" smtClean="0">
+                <a:solidFill>
+                  <a:srgbClr val="FF0000"/>
+                </a:solidFill>
+              </a:rPr>
+              <a:t>500um</a:t>
+            </a:r>
+            <a:endParaRPr lang="ko-KR" altLang="en-US" sz="1200" b="1" dirty="0">
+              <a:solidFill>
+                <a:srgbClr val="FF0000"/>
+              </a:solidFill>
+            </a:endParaRPr>
+          </a:p>
+        </p:txBody>
+      </p:sp>
+      <p:cxnSp>
+        <p:nvCxnSpPr>
+          <p:cNvPr id="141" name="직선 화살표 연결선 140"/>
+          <p:cNvCxnSpPr/>
+          <p:nvPr/>
+        </p:nvCxnSpPr>
+        <p:spPr>
+          <a:xfrm flipH="1" flipV="1">
+            <a:off x="7412821" y="3601620"/>
+            <a:ext cx="2439315" cy="979703"/>
+          </a:xfrm>
+          <a:prstGeom prst="straightConnector1">
+            <a:avLst/>
+          </a:prstGeom>
+          <a:ln w="19050">
+            <a:solidFill>
+              <a:srgbClr val="FF0000"/>
+            </a:solidFill>
+            <a:tailEnd type="triangle"/>
+          </a:ln>
+        </p:spPr>
+        <p:style>
+          <a:lnRef idx="1">
+            <a:schemeClr val="accent1"/>
+          </a:lnRef>
+          <a:fillRef idx="0">
+            <a:schemeClr val="accent1"/>
+          </a:fillRef>
+          <a:effectRef idx="0">
+            <a:schemeClr val="accent1"/>
+          </a:effectRef>
+          <a:fontRef idx="minor">
+            <a:schemeClr val="tx1"/>
+          </a:fontRef>
+        </p:style>
+      </p:cxnSp>
+      <p:sp>
+        <p:nvSpPr>
+          <p:cNvPr id="144" name="직사각형 143"/>
+          <p:cNvSpPr/>
+          <p:nvPr/>
+        </p:nvSpPr>
+        <p:spPr>
+          <a:xfrm>
+            <a:off x="5186716" y="1261306"/>
+            <a:ext cx="2456420" cy="338554"/>
+          </a:xfrm>
+          <a:prstGeom prst="rect">
+            <a:avLst/>
+          </a:prstGeom>
+        </p:spPr>
+        <p:txBody>
+          <a:bodyPr wrap="square">
+            <a:spAutoFit/>
+          </a:bodyPr>
+          <a:lstStyle/>
+          <a:p>
+            <a:r>
+              <a:rPr lang="ko-KR" altLang="en-US" sz="1600" b="1" dirty="0" err="1" smtClean="0">
+                <a:solidFill>
+                  <a:schemeClr val="accent6">
+                    <a:lumMod val="75000"/>
+                  </a:schemeClr>
+                </a:solidFill>
+              </a:rPr>
+              <a:t>마킹한</a:t>
+            </a:r>
+            <a:r>
+              <a:rPr lang="ko-KR" altLang="en-US" sz="1600" b="1" dirty="0" smtClean="0">
+                <a:solidFill>
+                  <a:schemeClr val="accent6">
+                    <a:lumMod val="75000"/>
+                  </a:schemeClr>
+                </a:solidFill>
+              </a:rPr>
+              <a:t> 부분으로 인식함</a:t>
+            </a:r>
+            <a:endParaRPr lang="ko-KR" altLang="en-US" sz="1600" b="1" dirty="0">
+              <a:solidFill>
+                <a:schemeClr val="accent6">
+                  <a:lumMod val="75000"/>
+                </a:schemeClr>
+              </a:solidFill>
+            </a:endParaRPr>
+          </a:p>
+        </p:txBody>
+      </p:sp>
+      <p:sp>
+        <p:nvSpPr>
+          <p:cNvPr id="145" name="직사각형 144"/>
+          <p:cNvSpPr/>
+          <p:nvPr/>
+        </p:nvSpPr>
+        <p:spPr>
+          <a:xfrm>
+            <a:off x="5518404" y="1504848"/>
+            <a:ext cx="1661032" cy="276999"/>
+          </a:xfrm>
+          <a:prstGeom prst="rect">
+            <a:avLst/>
+          </a:prstGeom>
+        </p:spPr>
+        <p:txBody>
+          <a:bodyPr wrap="none">
+            <a:spAutoFit/>
+          </a:bodyPr>
+          <a:lstStyle/>
+          <a:p>
+            <a:r>
+              <a:rPr lang="ko-KR" altLang="en-US" sz="1200" b="1" dirty="0" err="1" smtClean="0">
+                <a:solidFill>
+                  <a:srgbClr val="FF0000"/>
+                </a:solidFill>
+              </a:rPr>
+              <a:t>마킹크기</a:t>
+            </a:r>
+            <a:r>
+              <a:rPr lang="ko-KR" altLang="en-US" sz="1200" b="1" dirty="0" smtClean="0">
+                <a:solidFill>
+                  <a:srgbClr val="FF0000"/>
+                </a:solidFill>
+              </a:rPr>
+              <a:t> 대비 </a:t>
+            </a:r>
+            <a:r>
+              <a:rPr lang="en-US" altLang="ko-KR" sz="1200" b="1" dirty="0" smtClean="0">
+                <a:solidFill>
+                  <a:srgbClr val="FF0000"/>
+                </a:solidFill>
+              </a:rPr>
+              <a:t>42.5%</a:t>
+            </a:r>
+            <a:endParaRPr lang="ko-KR" altLang="en-US" sz="1200" b="1" dirty="0">
+              <a:solidFill>
+                <a:srgbClr val="FF0000"/>
+              </a:solidFill>
+            </a:endParaRPr>
+          </a:p>
+        </p:txBody>
+      </p:sp>
+    </p:spTree>
+    <p:extLst>
+      <p:ext uri="{BB962C8B-B14F-4D97-AF65-F5344CB8AC3E}">
+        <p14:creationId xmlns:p14="http://schemas.microsoft.com/office/powerpoint/2010/main" val="3041269206"/>
+      </p:ext>
+    </p:extLst>
+  </p:cSld>
+  <p:clrMapOvr>
+    <a:masterClrMapping/>
+  </p:clrMapOvr>
+</p:sld>
+</file>
+
+<file path=ppt/slides/slide5.xml><?xml version="1.0" encoding="utf-8"?>
+<p:sld xmlns:a="http://schemas.openxmlformats.org/drawingml/2006/main" xmlns:r="http://schemas.openxmlformats.org/officeDocument/2006/relationships" xmlns:p="http://schemas.openxmlformats.org/presentationml/2006/main">
+  <p:cSld>
+    <p:spTree>
+      <p:nvGrpSpPr>
+        <p:cNvPr id="1" name=""/>
+        <p:cNvGrpSpPr/>
+        <p:nvPr/>
+      </p:nvGrpSpPr>
+      <p:grpSpPr>
+        <a:xfrm>
+          <a:off x="0" y="0"/>
+          <a:ext cx="0" cy="0"/>
+          <a:chOff x="0" y="0"/>
+          <a:chExt cx="0" cy="0"/>
+        </a:xfrm>
+      </p:grpSpPr>
+      <p:sp>
+        <p:nvSpPr>
+          <p:cNvPr id="2" name="제목 1"/>
+          <p:cNvSpPr>
+            <a:spLocks noGrp="1"/>
+          </p:cNvSpPr>
+          <p:nvPr>
+            <p:ph type="title"/>
+          </p:nvPr>
+        </p:nvSpPr>
+        <p:spPr/>
+        <p:txBody>
+          <a:bodyPr/>
+          <a:lstStyle/>
+          <a:p>
+            <a:endParaRPr lang="ko-KR" altLang="en-US"/>
+          </a:p>
+        </p:txBody>
+      </p:sp>
+      <p:sp>
+        <p:nvSpPr>
+          <p:cNvPr id="3" name="내용 개체 틀 2"/>
+          <p:cNvSpPr>
+            <a:spLocks noGrp="1"/>
+          </p:cNvSpPr>
+          <p:nvPr>
+            <p:ph idx="1"/>
+          </p:nvPr>
+        </p:nvSpPr>
+        <p:spPr/>
+        <p:txBody>
+          <a:bodyPr/>
+          <a:lstStyle/>
+          <a:p>
+            <a:endParaRPr lang="ko-KR" altLang="en-US"/>
+          </a:p>
+        </p:txBody>
+      </p:sp>
+    </p:spTree>
+    <p:extLst>
+      <p:ext uri="{BB962C8B-B14F-4D97-AF65-F5344CB8AC3E}">
+        <p14:creationId xmlns:p14="http://schemas.microsoft.com/office/powerpoint/2010/main" val="1595165808"/>
+      </p:ext>
+    </p:extLst>
+  </p:cSld>
+  <p:clrMapOvr>
+    <a:masterClrMapping/>
+  </p:clrMapOvr>
+</p:sld>
+</file>
+
+<file path=ppt/slides/slide6.xml><?xml version="1.0" encoding="utf-8"?>
+<p:sld xmlns:a="http://schemas.openxmlformats.org/drawingml/2006/main" xmlns:r="http://schemas.openxmlformats.org/officeDocument/2006/relationships" xmlns:p="http://schemas.openxmlformats.org/presentationml/2006/main">
+  <p:cSld>
+    <p:spTree>
+      <p:nvGrpSpPr>
+        <p:cNvPr id="1" name=""/>
+        <p:cNvGrpSpPr/>
+        <p:nvPr/>
+      </p:nvGrpSpPr>
+      <p:grpSpPr>
+        <a:xfrm>
+          <a:off x="0" y="0"/>
+          <a:ext cx="0" cy="0"/>
+          <a:chOff x="0" y="0"/>
+          <a:chExt cx="0" cy="0"/>
+        </a:xfrm>
+      </p:grpSpPr>
+      <p:sp>
+        <p:nvSpPr>
+          <p:cNvPr id="2" name="제목 1"/>
+          <p:cNvSpPr>
+            <a:spLocks noGrp="1"/>
+          </p:cNvSpPr>
+          <p:nvPr>
+            <p:ph type="title"/>
+          </p:nvPr>
+        </p:nvSpPr>
+        <p:spPr/>
+        <p:txBody>
+          <a:bodyPr/>
+          <a:lstStyle/>
+          <a:p>
+            <a:r>
+              <a:rPr lang="ko-KR" altLang="en-US" dirty="0" err="1" smtClean="0"/>
+              <a:t>마킹</a:t>
+            </a:r>
+            <a:r>
+              <a:rPr lang="ko-KR" altLang="en-US" dirty="0" smtClean="0"/>
+              <a:t> 영역의 폭 측정으로 </a:t>
+            </a:r>
+            <a:r>
+              <a:rPr lang="ko-KR" altLang="en-US" dirty="0" err="1" smtClean="0"/>
+              <a:t>미마킹</a:t>
+            </a:r>
+            <a:r>
+              <a:rPr lang="ko-KR" altLang="en-US" dirty="0" smtClean="0"/>
+              <a:t> 확인</a:t>
+            </a:r>
+            <a:endParaRPr lang="ko-KR" altLang="en-US" dirty="0"/>
+          </a:p>
+        </p:txBody>
+      </p:sp>
+      <p:sp>
+        <p:nvSpPr>
+          <p:cNvPr id="3" name="내용 개체 틀 2"/>
+          <p:cNvSpPr>
+            <a:spLocks noGrp="1"/>
+          </p:cNvSpPr>
+          <p:nvPr>
+            <p:ph idx="1"/>
+          </p:nvPr>
+        </p:nvSpPr>
+        <p:spPr/>
+        <p:txBody>
+          <a:bodyPr/>
+          <a:lstStyle/>
+          <a:p>
+            <a:endParaRPr lang="ko-KR" altLang="en-US" dirty="0"/>
+          </a:p>
+        </p:txBody>
+      </p:sp>
+      <p:sp>
+        <p:nvSpPr>
+          <p:cNvPr id="4" name="이등변 삼각형 3"/>
+          <p:cNvSpPr/>
+          <p:nvPr/>
+        </p:nvSpPr>
+        <p:spPr>
+          <a:xfrm>
+            <a:off x="1298868" y="2210748"/>
+            <a:ext cx="4062952" cy="3440784"/>
+          </a:xfrm>
+          <a:prstGeom prst="triangle">
+            <a:avLst/>
+          </a:prstGeom>
+          <a:solidFill>
+            <a:schemeClr val="bg2">
+              <a:lumMod val="75000"/>
+            </a:schemeClr>
+          </a:solidFill>
+          <a:ln>
+            <a:solidFill>
+              <a:schemeClr val="bg2">
+                <a:lumMod val="75000"/>
+              </a:schemeClr>
+            </a:solidFill>
+          </a:ln>
+        </p:spPr>
+        <p:style>
+          <a:lnRef idx="2">
+            <a:schemeClr val="accent1">
+              <a:shade val="50000"/>
+            </a:schemeClr>
+          </a:lnRef>
+          <a:fillRef idx="1">
+            <a:schemeClr val="accent1"/>
+          </a:fillRef>
+          <a:effectRef idx="0">
+            <a:schemeClr val="accent1"/>
+          </a:effectRef>
+          <a:fontRef idx="minor">
+            <a:schemeClr val="lt1"/>
+          </a:fontRef>
+        </p:style>
+        <p:txBody>
+          <a:bodyPr rtlCol="0" anchor="ctr"/>
+          <a:lstStyle/>
+          <a:p>
+            <a:pPr algn="ctr"/>
+            <a:endParaRPr lang="ko-KR" altLang="en-US"/>
+          </a:p>
+        </p:txBody>
+      </p:sp>
+      <p:cxnSp>
+        <p:nvCxnSpPr>
+          <p:cNvPr id="6" name="직선 연결선 5"/>
+          <p:cNvCxnSpPr>
+            <a:stCxn id="4" idx="0"/>
+          </p:cNvCxnSpPr>
+          <p:nvPr/>
+        </p:nvCxnSpPr>
+        <p:spPr>
+          <a:xfrm>
+            <a:off x="3330344" y="2210748"/>
+            <a:ext cx="0" cy="3440784"/>
+          </a:xfrm>
+          <a:prstGeom prst="line">
+            <a:avLst/>
+          </a:prstGeom>
+        </p:spPr>
+        <p:style>
+          <a:lnRef idx="1">
+            <a:schemeClr val="accent1"/>
+          </a:lnRef>
+          <a:fillRef idx="0">
+            <a:schemeClr val="accent1"/>
+          </a:fillRef>
+          <a:effectRef idx="0">
+            <a:schemeClr val="accent1"/>
+          </a:effectRef>
+          <a:fontRef idx="minor">
+            <a:schemeClr val="tx1"/>
+          </a:fontRef>
+        </p:style>
+      </p:cxnSp>
+      <p:cxnSp>
+        <p:nvCxnSpPr>
+          <p:cNvPr id="8" name="직선 연결선 7"/>
+          <p:cNvCxnSpPr>
+            <a:stCxn id="4" idx="5"/>
+          </p:cNvCxnSpPr>
+          <p:nvPr/>
+        </p:nvCxnSpPr>
+        <p:spPr>
+          <a:xfrm flipH="1">
+            <a:off x="1298868" y="3931140"/>
+            <a:ext cx="3047214" cy="1720392"/>
+          </a:xfrm>
+          <a:prstGeom prst="line">
+            <a:avLst/>
+          </a:prstGeom>
+        </p:spPr>
+        <p:style>
+          <a:lnRef idx="1">
+            <a:schemeClr val="accent1"/>
+          </a:lnRef>
+          <a:fillRef idx="0">
+            <a:schemeClr val="accent1"/>
+          </a:fillRef>
+          <a:effectRef idx="0">
+            <a:schemeClr val="accent1"/>
+          </a:effectRef>
+          <a:fontRef idx="minor">
+            <a:schemeClr val="tx1"/>
+          </a:fontRef>
+        </p:style>
+      </p:cxnSp>
+      <p:cxnSp>
+        <p:nvCxnSpPr>
+          <p:cNvPr id="10" name="직선 연결선 9"/>
+          <p:cNvCxnSpPr>
+            <a:stCxn id="4" idx="4"/>
+            <a:endCxn id="4" idx="1"/>
+          </p:cNvCxnSpPr>
+          <p:nvPr/>
+        </p:nvCxnSpPr>
+        <p:spPr>
+          <a:xfrm flipH="1" flipV="1">
+            <a:off x="2314606" y="3931140"/>
+            <a:ext cx="3047214" cy="1720392"/>
+          </a:xfrm>
+          <a:prstGeom prst="line">
+            <a:avLst/>
+          </a:prstGeom>
+        </p:spPr>
+        <p:style>
+          <a:lnRef idx="1">
+            <a:schemeClr val="accent1"/>
+          </a:lnRef>
+          <a:fillRef idx="0">
+            <a:schemeClr val="accent1"/>
+          </a:fillRef>
+          <a:effectRef idx="0">
+            <a:schemeClr val="accent1"/>
+          </a:effectRef>
+          <a:fontRef idx="minor">
+            <a:schemeClr val="tx1"/>
+          </a:fontRef>
+        </p:style>
+      </p:cxnSp>
+      <p:sp>
+        <p:nvSpPr>
+          <p:cNvPr id="11" name="타원 10"/>
+          <p:cNvSpPr/>
+          <p:nvPr/>
+        </p:nvSpPr>
+        <p:spPr>
+          <a:xfrm>
+            <a:off x="3259643" y="4426432"/>
+            <a:ext cx="141402" cy="141402"/>
+          </a:xfrm>
+          <a:prstGeom prst="ellipse">
+            <a:avLst/>
+          </a:prstGeom>
+          <a:solidFill>
+            <a:srgbClr val="FF0000"/>
+          </a:solidFill>
+          <a:ln>
+            <a:solidFill>
+              <a:srgbClr val="FF0000"/>
+            </a:solidFill>
+          </a:ln>
+        </p:spPr>
+        <p:style>
+          <a:lnRef idx="2">
+            <a:schemeClr val="accent1">
+              <a:shade val="50000"/>
+            </a:schemeClr>
+          </a:lnRef>
+          <a:fillRef idx="1">
+            <a:schemeClr val="accent1"/>
+          </a:fillRef>
+          <a:effectRef idx="0">
+            <a:schemeClr val="accent1"/>
+          </a:effectRef>
+          <a:fontRef idx="minor">
+            <a:schemeClr val="lt1"/>
+          </a:fontRef>
+        </p:style>
+        <p:txBody>
+          <a:bodyPr rtlCol="0" anchor="ctr"/>
+          <a:lstStyle/>
+          <a:p>
+            <a:pPr algn="ctr"/>
+            <a:endParaRPr lang="ko-KR" altLang="en-US"/>
+          </a:p>
+        </p:txBody>
+      </p:sp>
+      <p:cxnSp>
+        <p:nvCxnSpPr>
+          <p:cNvPr id="13" name="직선 화살표 연결선 12"/>
+          <p:cNvCxnSpPr>
+            <a:endCxn id="4" idx="1"/>
+          </p:cNvCxnSpPr>
+          <p:nvPr/>
+        </p:nvCxnSpPr>
+        <p:spPr>
+          <a:xfrm flipH="1" flipV="1">
+            <a:off x="2314606" y="3931140"/>
+            <a:ext cx="1059337" cy="636694"/>
+          </a:xfrm>
+          <a:prstGeom prst="straightConnector1">
+            <a:avLst/>
+          </a:prstGeom>
+          <a:ln>
+            <a:solidFill>
+              <a:srgbClr val="FF0000"/>
+            </a:solidFill>
+            <a:tailEnd type="triangle"/>
+          </a:ln>
+        </p:spPr>
+        <p:style>
+          <a:lnRef idx="3">
+            <a:schemeClr val="dk1"/>
+          </a:lnRef>
+          <a:fillRef idx="0">
+            <a:schemeClr val="dk1"/>
+          </a:fillRef>
+          <a:effectRef idx="2">
+            <a:schemeClr val="dk1"/>
+          </a:effectRef>
+          <a:fontRef idx="minor">
+            <a:schemeClr val="tx1"/>
+          </a:fontRef>
+        </p:style>
+      </p:cxnSp>
+      <p:cxnSp>
+        <p:nvCxnSpPr>
+          <p:cNvPr id="18" name="직선 화살표 연결선 17"/>
+          <p:cNvCxnSpPr>
+            <a:endCxn id="4" idx="0"/>
+          </p:cNvCxnSpPr>
+          <p:nvPr/>
+        </p:nvCxnSpPr>
+        <p:spPr>
+          <a:xfrm flipH="1" flipV="1">
+            <a:off x="3330344" y="2210748"/>
+            <a:ext cx="13553" cy="2244264"/>
+          </a:xfrm>
+          <a:prstGeom prst="straightConnector1">
+            <a:avLst/>
+          </a:prstGeom>
+          <a:ln>
+            <a:solidFill>
+              <a:srgbClr val="FF0000"/>
+            </a:solidFill>
+            <a:tailEnd type="triangle"/>
+          </a:ln>
+        </p:spPr>
+        <p:style>
+          <a:lnRef idx="3">
+            <a:schemeClr val="dk1"/>
+          </a:lnRef>
+          <a:fillRef idx="0">
+            <a:schemeClr val="dk1"/>
+          </a:fillRef>
+          <a:effectRef idx="2">
+            <a:schemeClr val="dk1"/>
+          </a:effectRef>
+          <a:fontRef idx="minor">
+            <a:schemeClr val="tx1"/>
+          </a:fontRef>
+        </p:style>
+      </p:cxnSp>
+      <p:cxnSp>
+        <p:nvCxnSpPr>
+          <p:cNvPr id="20" name="직선 화살표 연결선 19"/>
+          <p:cNvCxnSpPr>
+            <a:endCxn id="4" idx="5"/>
+          </p:cNvCxnSpPr>
+          <p:nvPr/>
+        </p:nvCxnSpPr>
+        <p:spPr>
+          <a:xfrm flipV="1">
+            <a:off x="3384943" y="3931140"/>
+            <a:ext cx="961139" cy="565994"/>
+          </a:xfrm>
+          <a:prstGeom prst="straightConnector1">
+            <a:avLst/>
+          </a:prstGeom>
+          <a:ln>
+            <a:solidFill>
+              <a:srgbClr val="FF0000"/>
+            </a:solidFill>
+            <a:tailEnd type="triangle"/>
+          </a:ln>
+        </p:spPr>
+        <p:style>
+          <a:lnRef idx="3">
+            <a:schemeClr val="dk1"/>
+          </a:lnRef>
+          <a:fillRef idx="0">
+            <a:schemeClr val="dk1"/>
+          </a:fillRef>
+          <a:effectRef idx="2">
+            <a:schemeClr val="dk1"/>
+          </a:effectRef>
+          <a:fontRef idx="minor">
+            <a:schemeClr val="tx1"/>
+          </a:fontRef>
+        </p:style>
+      </p:cxnSp>
+      <p:cxnSp>
+        <p:nvCxnSpPr>
+          <p:cNvPr id="23" name="직선 화살표 연결선 22"/>
+          <p:cNvCxnSpPr>
+            <a:stCxn id="11" idx="4"/>
+            <a:endCxn id="4" idx="3"/>
+          </p:cNvCxnSpPr>
+          <p:nvPr/>
+        </p:nvCxnSpPr>
+        <p:spPr>
+          <a:xfrm>
+            <a:off x="3330344" y="4567834"/>
+            <a:ext cx="0" cy="1083698"/>
+          </a:xfrm>
+          <a:prstGeom prst="straightConnector1">
+            <a:avLst/>
+          </a:prstGeom>
+          <a:ln>
+            <a:solidFill>
+              <a:srgbClr val="FF0000"/>
+            </a:solidFill>
+            <a:tailEnd type="triangle"/>
+          </a:ln>
+        </p:spPr>
+        <p:style>
+          <a:lnRef idx="3">
+            <a:schemeClr val="dk1"/>
+          </a:lnRef>
+          <a:fillRef idx="0">
+            <a:schemeClr val="dk1"/>
+          </a:fillRef>
+          <a:effectRef idx="2">
+            <a:schemeClr val="dk1"/>
+          </a:effectRef>
+          <a:fontRef idx="minor">
+            <a:schemeClr val="tx1"/>
+          </a:fontRef>
+        </p:style>
+      </p:cxnSp>
+      <p:cxnSp>
+        <p:nvCxnSpPr>
+          <p:cNvPr id="27" name="직선 화살표 연결선 26"/>
+          <p:cNvCxnSpPr>
+            <a:stCxn id="11" idx="5"/>
+          </p:cNvCxnSpPr>
+          <p:nvPr/>
+        </p:nvCxnSpPr>
+        <p:spPr>
+          <a:xfrm>
+            <a:off x="3380337" y="4547126"/>
+            <a:ext cx="1981483" cy="1104406"/>
+          </a:xfrm>
+          <a:prstGeom prst="straightConnector1">
+            <a:avLst/>
+          </a:prstGeom>
+          <a:ln>
+            <a:solidFill>
+              <a:srgbClr val="FF0000"/>
+            </a:solidFill>
+            <a:tailEnd type="triangle"/>
+          </a:ln>
+        </p:spPr>
+        <p:style>
+          <a:lnRef idx="3">
+            <a:schemeClr val="dk1"/>
+          </a:lnRef>
+          <a:fillRef idx="0">
+            <a:schemeClr val="dk1"/>
+          </a:fillRef>
+          <a:effectRef idx="2">
+            <a:schemeClr val="dk1"/>
+          </a:effectRef>
+          <a:fontRef idx="minor">
+            <a:schemeClr val="tx1"/>
+          </a:fontRef>
+        </p:style>
+      </p:cxnSp>
+      <p:cxnSp>
+        <p:nvCxnSpPr>
+          <p:cNvPr id="31" name="직선 화살표 연결선 30"/>
+          <p:cNvCxnSpPr/>
+          <p:nvPr/>
+        </p:nvCxnSpPr>
+        <p:spPr>
+          <a:xfrm flipH="1">
+            <a:off x="1298868" y="4498250"/>
+            <a:ext cx="2067024" cy="1153282"/>
+          </a:xfrm>
+          <a:prstGeom prst="straightConnector1">
+            <a:avLst/>
+          </a:prstGeom>
+          <a:ln>
+            <a:solidFill>
+              <a:srgbClr val="FF0000"/>
+            </a:solidFill>
+            <a:tailEnd type="triangle"/>
+          </a:ln>
+        </p:spPr>
+        <p:style>
+          <a:lnRef idx="3">
+            <a:schemeClr val="dk1"/>
+          </a:lnRef>
+          <a:fillRef idx="0">
+            <a:schemeClr val="dk1"/>
+          </a:fillRef>
+          <a:effectRef idx="2">
+            <a:schemeClr val="dk1"/>
+          </a:effectRef>
+          <a:fontRef idx="minor">
+            <a:schemeClr val="tx1"/>
+          </a:fontRef>
+        </p:style>
+      </p:cxnSp>
+      <p:grpSp>
+        <p:nvGrpSpPr>
+          <p:cNvPr id="40" name="그룹 39"/>
+          <p:cNvGrpSpPr/>
+          <p:nvPr/>
+        </p:nvGrpSpPr>
+        <p:grpSpPr>
+          <a:xfrm>
+            <a:off x="2785551" y="3881148"/>
+            <a:ext cx="1116692" cy="1206020"/>
+            <a:chOff x="8127476" y="2830977"/>
+            <a:chExt cx="1116692" cy="1206020"/>
+          </a:xfrm>
+        </p:grpSpPr>
+        <p:sp>
+          <p:nvSpPr>
+            <p:cNvPr id="37" name="타원 36"/>
+            <p:cNvSpPr/>
+            <p:nvPr/>
+          </p:nvSpPr>
+          <p:spPr>
+            <a:xfrm rot="1878294">
+              <a:off x="8127476" y="2884602"/>
+              <a:ext cx="1116692" cy="1116692"/>
+            </a:xfrm>
+            <a:prstGeom prst="ellipse">
+              <a:avLst/>
+            </a:prstGeom>
+            <a:noFill/>
+            <a:ln w="25400">
+              <a:solidFill>
+                <a:srgbClr val="FF0000"/>
+              </a:solidFill>
+            </a:ln>
+          </p:spPr>
           <p:style>
-            <a:lnRef idx="1">
-              <a:schemeClr val="accent1"/>
+            <a:lnRef idx="2">
+              <a:schemeClr val="accent1">
+                <a:shade val="50000"/>
+              </a:schemeClr>
             </a:lnRef>
-            <a:fillRef idx="0">
+            <a:fillRef idx="1">
               <a:schemeClr val="accent1"/>
             </a:fillRef>
             <a:effectRef idx="0">
               <a:schemeClr val="accent1"/>
             </a:effectRef>
             <a:fontRef idx="minor">
-              <a:schemeClr val="tx1"/>
+              <a:schemeClr val="lt1"/>
             </a:fontRef>
           </p:style>
-        </p:cxnSp>
-        <p:cxnSp>
-          <p:nvCxnSpPr>
-            <p:cNvPr id="10" name="직선 연결선 9"/>
-            <p:cNvCxnSpPr>
-              <a:stCxn id="4" idx="4"/>
-              <a:endCxn id="4" idx="1"/>
-            </p:cNvCxnSpPr>
-            <p:nvPr/>
-          </p:nvCxnSpPr>
-          <p:spPr>
-            <a:xfrm flipH="1" flipV="1">
-              <a:off x="5080262" y="4001294"/>
-              <a:ext cx="3047214" cy="1720392"/>
-            </a:xfrm>
-            <a:prstGeom prst="line">
-              <a:avLst/>
-            </a:prstGeom>
-          </p:spPr>
-          <p:style>
-            <a:lnRef idx="1">
-              <a:schemeClr val="accent1"/>
-            </a:lnRef>
-            <a:fillRef idx="0">
-              <a:schemeClr val="accent1"/>
-            </a:fillRef>
-            <a:effectRef idx="0">
-              <a:schemeClr val="accent1"/>
-            </a:effectRef>
-            <a:fontRef idx="minor">
-              <a:schemeClr val="tx1"/>
-            </a:fontRef>
-          </p:style>
-        </p:cxnSp>
+          <p:txBody>
+            <a:bodyPr rtlCol="0" anchor="ctr"/>
+            <a:lstStyle/>
+            <a:p>
+              <a:pPr algn="ctr"/>
+              <a:endParaRPr lang="ko-KR" altLang="en-US"/>
+            </a:p>
+          </p:txBody>
+        </p:sp>
         <p:sp>
           <p:nvSpPr>
-            <p:cNvPr id="11" name="타원 10"/>
+            <p:cNvPr id="38" name="이등변 삼각형 37"/>
             <p:cNvSpPr/>
             <p:nvPr/>
           </p:nvSpPr>
           <p:spPr>
-            <a:xfrm>
-              <a:off x="6025299" y="4496586"/>
-              <a:ext cx="141402" cy="141402"/>
+            <a:xfrm rot="16200000">
+              <a:off x="8731797" y="2848068"/>
+              <a:ext cx="136690" cy="102507"/>
             </a:xfrm>
-            <a:prstGeom prst="ellipse">
+            <a:prstGeom prst="triangle">
               <a:avLst/>
             </a:prstGeom>
             <a:solidFill>
@@ -4894,390 +7395,54 @@
             </a:p>
           </p:txBody>
         </p:sp>
-        <p:cxnSp>
-          <p:nvCxnSpPr>
-            <p:cNvPr id="13" name="직선 화살표 연결선 12"/>
-            <p:cNvCxnSpPr>
-              <a:endCxn id="4" idx="1"/>
-            </p:cNvCxnSpPr>
+        <p:sp>
+          <p:nvSpPr>
+            <p:cNvPr id="39" name="이등변 삼각형 38"/>
+            <p:cNvSpPr/>
             <p:nvPr/>
-          </p:nvCxnSpPr>
+          </p:nvSpPr>
           <p:spPr>
-            <a:xfrm flipH="1" flipV="1">
-              <a:off x="5080262" y="4001294"/>
-              <a:ext cx="1059337" cy="636694"/>
+            <a:xfrm rot="16200000" flipV="1">
+              <a:off x="8495382" y="3923379"/>
+              <a:ext cx="126061" cy="101176"/>
             </a:xfrm>
-            <a:prstGeom prst="straightConnector1">
+            <a:prstGeom prst="triangle">
               <a:avLst/>
             </a:prstGeom>
+            <a:solidFill>
+              <a:srgbClr val="FF0000"/>
+            </a:solidFill>
             <a:ln>
               <a:solidFill>
                 <a:srgbClr val="FF0000"/>
               </a:solidFill>
-              <a:tailEnd type="triangle"/>
             </a:ln>
           </p:spPr>
           <p:style>
-            <a:lnRef idx="3">
-              <a:schemeClr val="dk1"/>
+            <a:lnRef idx="2">
+              <a:schemeClr val="accent1">
+                <a:shade val="50000"/>
+              </a:schemeClr>
             </a:lnRef>
-            <a:fillRef idx="0">
-              <a:schemeClr val="dk1"/>
+            <a:fillRef idx="1">
+              <a:schemeClr val="accent1"/>
             </a:fillRef>
-            <a:effectRef idx="2">
-              <a:schemeClr val="dk1"/>
+            <a:effectRef idx="0">
+              <a:schemeClr val="accent1"/>
             </a:effectRef>
             <a:fontRef idx="minor">
-              <a:schemeClr val="tx1"/>
+              <a:schemeClr val="lt1"/>
             </a:fontRef>
           </p:style>
-        </p:cxnSp>
-        <p:cxnSp>
-          <p:nvCxnSpPr>
-            <p:cNvPr id="18" name="직선 화살표 연결선 17"/>
-            <p:cNvCxnSpPr>
-              <a:endCxn id="4" idx="0"/>
-            </p:cNvCxnSpPr>
-            <p:nvPr/>
-          </p:nvCxnSpPr>
-          <p:spPr>
-            <a:xfrm flipH="1" flipV="1">
-              <a:off x="6096000" y="2280902"/>
-              <a:ext cx="13553" cy="2244264"/>
-            </a:xfrm>
-            <a:prstGeom prst="straightConnector1">
-              <a:avLst/>
-            </a:prstGeom>
-            <a:ln>
-              <a:solidFill>
-                <a:srgbClr val="FF0000"/>
-              </a:solidFill>
-              <a:tailEnd type="triangle"/>
-            </a:ln>
-          </p:spPr>
-          <p:style>
-            <a:lnRef idx="3">
-              <a:schemeClr val="dk1"/>
-            </a:lnRef>
-            <a:fillRef idx="0">
-              <a:schemeClr val="dk1"/>
-            </a:fillRef>
-            <a:effectRef idx="2">
-              <a:schemeClr val="dk1"/>
-            </a:effectRef>
-            <a:fontRef idx="minor">
-              <a:schemeClr val="tx1"/>
-            </a:fontRef>
-          </p:style>
-        </p:cxnSp>
-        <p:cxnSp>
-          <p:nvCxnSpPr>
-            <p:cNvPr id="20" name="직선 화살표 연결선 19"/>
-            <p:cNvCxnSpPr>
-              <a:endCxn id="4" idx="5"/>
-            </p:cNvCxnSpPr>
-            <p:nvPr/>
-          </p:nvCxnSpPr>
-          <p:spPr>
-            <a:xfrm flipV="1">
-              <a:off x="6150599" y="4001294"/>
-              <a:ext cx="961139" cy="565994"/>
-            </a:xfrm>
-            <a:prstGeom prst="straightConnector1">
-              <a:avLst/>
-            </a:prstGeom>
-            <a:ln>
-              <a:solidFill>
-                <a:srgbClr val="FF0000"/>
-              </a:solidFill>
-              <a:tailEnd type="triangle"/>
-            </a:ln>
-          </p:spPr>
-          <p:style>
-            <a:lnRef idx="3">
-              <a:schemeClr val="dk1"/>
-            </a:lnRef>
-            <a:fillRef idx="0">
-              <a:schemeClr val="dk1"/>
-            </a:fillRef>
-            <a:effectRef idx="2">
-              <a:schemeClr val="dk1"/>
-            </a:effectRef>
-            <a:fontRef idx="minor">
-              <a:schemeClr val="tx1"/>
-            </a:fontRef>
-          </p:style>
-        </p:cxnSp>
-        <p:cxnSp>
-          <p:nvCxnSpPr>
-            <p:cNvPr id="23" name="직선 화살표 연결선 22"/>
-            <p:cNvCxnSpPr>
-              <a:stCxn id="11" idx="4"/>
-              <a:endCxn id="4" idx="3"/>
-            </p:cNvCxnSpPr>
-            <p:nvPr/>
-          </p:nvCxnSpPr>
-          <p:spPr>
-            <a:xfrm>
-              <a:off x="6096000" y="4637988"/>
-              <a:ext cx="0" cy="1083698"/>
-            </a:xfrm>
-            <a:prstGeom prst="straightConnector1">
-              <a:avLst/>
-            </a:prstGeom>
-            <a:ln>
-              <a:solidFill>
-                <a:srgbClr val="FF0000"/>
-              </a:solidFill>
-              <a:tailEnd type="triangle"/>
-            </a:ln>
-          </p:spPr>
-          <p:style>
-            <a:lnRef idx="3">
-              <a:schemeClr val="dk1"/>
-            </a:lnRef>
-            <a:fillRef idx="0">
-              <a:schemeClr val="dk1"/>
-            </a:fillRef>
-            <a:effectRef idx="2">
-              <a:schemeClr val="dk1"/>
-            </a:effectRef>
-            <a:fontRef idx="minor">
-              <a:schemeClr val="tx1"/>
-            </a:fontRef>
-          </p:style>
-        </p:cxnSp>
-        <p:cxnSp>
-          <p:nvCxnSpPr>
-            <p:cNvPr id="27" name="직선 화살표 연결선 26"/>
-            <p:cNvCxnSpPr>
-              <a:stCxn id="11" idx="5"/>
-            </p:cNvCxnSpPr>
-            <p:nvPr/>
-          </p:nvCxnSpPr>
-          <p:spPr>
-            <a:xfrm>
-              <a:off x="6145993" y="4617280"/>
-              <a:ext cx="1981483" cy="1104406"/>
-            </a:xfrm>
-            <a:prstGeom prst="straightConnector1">
-              <a:avLst/>
-            </a:prstGeom>
-            <a:ln>
-              <a:solidFill>
-                <a:srgbClr val="FF0000"/>
-              </a:solidFill>
-              <a:tailEnd type="triangle"/>
-            </a:ln>
-          </p:spPr>
-          <p:style>
-            <a:lnRef idx="3">
-              <a:schemeClr val="dk1"/>
-            </a:lnRef>
-            <a:fillRef idx="0">
-              <a:schemeClr val="dk1"/>
-            </a:fillRef>
-            <a:effectRef idx="2">
-              <a:schemeClr val="dk1"/>
-            </a:effectRef>
-            <a:fontRef idx="minor">
-              <a:schemeClr val="tx1"/>
-            </a:fontRef>
-          </p:style>
-        </p:cxnSp>
-        <p:cxnSp>
-          <p:nvCxnSpPr>
-            <p:cNvPr id="31" name="직선 화살표 연결선 30"/>
-            <p:cNvCxnSpPr/>
-            <p:nvPr/>
-          </p:nvCxnSpPr>
-          <p:spPr>
-            <a:xfrm flipH="1">
-              <a:off x="4064524" y="4568404"/>
-              <a:ext cx="2067024" cy="1153282"/>
-            </a:xfrm>
-            <a:prstGeom prst="straightConnector1">
-              <a:avLst/>
-            </a:prstGeom>
-            <a:ln>
-              <a:solidFill>
-                <a:srgbClr val="FF0000"/>
-              </a:solidFill>
-              <a:tailEnd type="triangle"/>
-            </a:ln>
-          </p:spPr>
-          <p:style>
-            <a:lnRef idx="3">
-              <a:schemeClr val="dk1"/>
-            </a:lnRef>
-            <a:fillRef idx="0">
-              <a:schemeClr val="dk1"/>
-            </a:fillRef>
-            <a:effectRef idx="2">
-              <a:schemeClr val="dk1"/>
-            </a:effectRef>
-            <a:fontRef idx="minor">
-              <a:schemeClr val="tx1"/>
-            </a:fontRef>
-          </p:style>
-        </p:cxnSp>
-        <p:grpSp>
-          <p:nvGrpSpPr>
-            <p:cNvPr id="40" name="그룹 39"/>
-            <p:cNvGrpSpPr/>
-            <p:nvPr/>
-          </p:nvGrpSpPr>
-          <p:grpSpPr>
-            <a:xfrm>
-              <a:off x="5551207" y="3951302"/>
-              <a:ext cx="1116692" cy="1206020"/>
-              <a:chOff x="8127476" y="2830977"/>
-              <a:chExt cx="1116692" cy="1206020"/>
-            </a:xfrm>
-          </p:grpSpPr>
-          <p:sp>
-            <p:nvSpPr>
-              <p:cNvPr id="37" name="타원 36"/>
-              <p:cNvSpPr/>
-              <p:nvPr/>
-            </p:nvSpPr>
-            <p:spPr>
-              <a:xfrm rot="1878294">
-                <a:off x="8127476" y="2884602"/>
-                <a:ext cx="1116692" cy="1116692"/>
-              </a:xfrm>
-              <a:prstGeom prst="ellipse">
-                <a:avLst/>
-              </a:prstGeom>
-              <a:noFill/>
-              <a:ln w="25400">
-                <a:solidFill>
-                  <a:srgbClr val="FF0000"/>
-                </a:solidFill>
-              </a:ln>
-            </p:spPr>
-            <p:style>
-              <a:lnRef idx="2">
-                <a:schemeClr val="accent1">
-                  <a:shade val="50000"/>
-                </a:schemeClr>
-              </a:lnRef>
-              <a:fillRef idx="1">
-                <a:schemeClr val="accent1"/>
-              </a:fillRef>
-              <a:effectRef idx="0">
-                <a:schemeClr val="accent1"/>
-              </a:effectRef>
-              <a:fontRef idx="minor">
-                <a:schemeClr val="lt1"/>
-              </a:fontRef>
-            </p:style>
-            <p:txBody>
-              <a:bodyPr rtlCol="0" anchor="ctr"/>
-              <a:lstStyle/>
-              <a:p>
-                <a:pPr algn="ctr"/>
-                <a:endParaRPr lang="ko-KR" altLang="en-US"/>
-              </a:p>
-            </p:txBody>
-          </p:sp>
-          <p:sp>
-            <p:nvSpPr>
-              <p:cNvPr id="38" name="이등변 삼각형 37"/>
-              <p:cNvSpPr/>
-              <p:nvPr/>
-            </p:nvSpPr>
-            <p:spPr>
-              <a:xfrm rot="16200000">
-                <a:off x="8731797" y="2848068"/>
-                <a:ext cx="136690" cy="102507"/>
-              </a:xfrm>
-              <a:prstGeom prst="triangle">
-                <a:avLst/>
-              </a:prstGeom>
-              <a:solidFill>
-                <a:srgbClr val="FF0000"/>
-              </a:solidFill>
-              <a:ln>
-                <a:solidFill>
-                  <a:srgbClr val="FF0000"/>
-                </a:solidFill>
-              </a:ln>
-            </p:spPr>
-            <p:style>
-              <a:lnRef idx="2">
-                <a:schemeClr val="accent1">
-                  <a:shade val="50000"/>
-                </a:schemeClr>
-              </a:lnRef>
-              <a:fillRef idx="1">
-                <a:schemeClr val="accent1"/>
-              </a:fillRef>
-              <a:effectRef idx="0">
-                <a:schemeClr val="accent1"/>
-              </a:effectRef>
-              <a:fontRef idx="minor">
-                <a:schemeClr val="lt1"/>
-              </a:fontRef>
-            </p:style>
-            <p:txBody>
-              <a:bodyPr rtlCol="0" anchor="ctr"/>
-              <a:lstStyle/>
-              <a:p>
-                <a:pPr algn="ctr"/>
-                <a:endParaRPr lang="ko-KR" altLang="en-US"/>
-              </a:p>
-            </p:txBody>
-          </p:sp>
-          <p:sp>
-            <p:nvSpPr>
-              <p:cNvPr id="39" name="이등변 삼각형 38"/>
-              <p:cNvSpPr/>
-              <p:nvPr/>
-            </p:nvSpPr>
-            <p:spPr>
-              <a:xfrm rot="16200000" flipV="1">
-                <a:off x="8495382" y="3923379"/>
-                <a:ext cx="126061" cy="101176"/>
-              </a:xfrm>
-              <a:prstGeom prst="triangle">
-                <a:avLst/>
-              </a:prstGeom>
-              <a:solidFill>
-                <a:srgbClr val="FF0000"/>
-              </a:solidFill>
-              <a:ln>
-                <a:solidFill>
-                  <a:srgbClr val="FF0000"/>
-                </a:solidFill>
-              </a:ln>
-            </p:spPr>
-            <p:style>
-              <a:lnRef idx="2">
-                <a:schemeClr val="accent1">
-                  <a:shade val="50000"/>
-                </a:schemeClr>
-              </a:lnRef>
-              <a:fillRef idx="1">
-                <a:schemeClr val="accent1"/>
-              </a:fillRef>
-              <a:effectRef idx="0">
-                <a:schemeClr val="accent1"/>
-              </a:effectRef>
-              <a:fontRef idx="minor">
-                <a:schemeClr val="lt1"/>
-              </a:fontRef>
-            </p:style>
-            <p:txBody>
-              <a:bodyPr rtlCol="0" anchor="ctr"/>
-              <a:lstStyle/>
-              <a:p>
-                <a:pPr algn="ctr"/>
-                <a:endParaRPr lang="ko-KR" altLang="en-US"/>
-              </a:p>
-            </p:txBody>
-          </p:sp>
-        </p:grpSp>
+          <p:txBody>
+            <a:bodyPr rtlCol="0" anchor="ctr"/>
+            <a:lstStyle/>
+            <a:p>
+              <a:pPr algn="ctr"/>
+              <a:endParaRPr lang="ko-KR" altLang="en-US"/>
+            </a:p>
+          </p:txBody>
+        </p:sp>
       </p:grpSp>
       <p:cxnSp>
         <p:nvCxnSpPr>
@@ -6581,7 +8746,7 @@
     </p:spTree>
     <p:extLst>
       <p:ext uri="{BB962C8B-B14F-4D97-AF65-F5344CB8AC3E}">
-        <p14:creationId xmlns:p14="http://schemas.microsoft.com/office/powerpoint/2010/main" val="3041269206"/>
+        <p14:creationId xmlns:p14="http://schemas.microsoft.com/office/powerpoint/2010/main" val="1609560216"/>
       </p:ext>
     </p:extLst>
   </p:cSld>
